--- a/ESTR4999_Notes/To Draw Plots/frame_sending_scheme.pptx
+++ b/ESTR4999_Notes/To Draw Plots/frame_sending_scheme.pptx
@@ -261,7 +261,7 @@
           <a:p>
             <a:fld id="{1F8B82B0-782F-B148-A911-C18BC0FE1ECB}" type="datetimeFigureOut">
               <a:rPr kumimoji="1" lang="zh-TW" altLang="en-US" smtClean="0"/>
-              <a:t>2022/4/10</a:t>
+              <a:t>2022/4/24</a:t>
             </a:fld>
             <a:endParaRPr kumimoji="1" lang="zh-TW" altLang="en-US"/>
           </a:p>
@@ -459,7 +459,7 @@
           <a:p>
             <a:fld id="{1F8B82B0-782F-B148-A911-C18BC0FE1ECB}" type="datetimeFigureOut">
               <a:rPr kumimoji="1" lang="zh-TW" altLang="en-US" smtClean="0"/>
-              <a:t>2022/4/10</a:t>
+              <a:t>2022/4/24</a:t>
             </a:fld>
             <a:endParaRPr kumimoji="1" lang="zh-TW" altLang="en-US"/>
           </a:p>
@@ -667,7 +667,7 @@
           <a:p>
             <a:fld id="{1F8B82B0-782F-B148-A911-C18BC0FE1ECB}" type="datetimeFigureOut">
               <a:rPr kumimoji="1" lang="zh-TW" altLang="en-US" smtClean="0"/>
-              <a:t>2022/4/10</a:t>
+              <a:t>2022/4/24</a:t>
             </a:fld>
             <a:endParaRPr kumimoji="1" lang="zh-TW" altLang="en-US"/>
           </a:p>
@@ -865,7 +865,7 @@
           <a:p>
             <a:fld id="{1F8B82B0-782F-B148-A911-C18BC0FE1ECB}" type="datetimeFigureOut">
               <a:rPr kumimoji="1" lang="zh-TW" altLang="en-US" smtClean="0"/>
-              <a:t>2022/4/10</a:t>
+              <a:t>2022/4/24</a:t>
             </a:fld>
             <a:endParaRPr kumimoji="1" lang="zh-TW" altLang="en-US"/>
           </a:p>
@@ -1140,7 +1140,7 @@
           <a:p>
             <a:fld id="{1F8B82B0-782F-B148-A911-C18BC0FE1ECB}" type="datetimeFigureOut">
               <a:rPr kumimoji="1" lang="zh-TW" altLang="en-US" smtClean="0"/>
-              <a:t>2022/4/10</a:t>
+              <a:t>2022/4/24</a:t>
             </a:fld>
             <a:endParaRPr kumimoji="1" lang="zh-TW" altLang="en-US"/>
           </a:p>
@@ -1405,7 +1405,7 @@
           <a:p>
             <a:fld id="{1F8B82B0-782F-B148-A911-C18BC0FE1ECB}" type="datetimeFigureOut">
               <a:rPr kumimoji="1" lang="zh-TW" altLang="en-US" smtClean="0"/>
-              <a:t>2022/4/10</a:t>
+              <a:t>2022/4/24</a:t>
             </a:fld>
             <a:endParaRPr kumimoji="1" lang="zh-TW" altLang="en-US"/>
           </a:p>
@@ -1817,7 +1817,7 @@
           <a:p>
             <a:fld id="{1F8B82B0-782F-B148-A911-C18BC0FE1ECB}" type="datetimeFigureOut">
               <a:rPr kumimoji="1" lang="zh-TW" altLang="en-US" smtClean="0"/>
-              <a:t>2022/4/10</a:t>
+              <a:t>2022/4/24</a:t>
             </a:fld>
             <a:endParaRPr kumimoji="1" lang="zh-TW" altLang="en-US"/>
           </a:p>
@@ -1958,7 +1958,7 @@
           <a:p>
             <a:fld id="{1F8B82B0-782F-B148-A911-C18BC0FE1ECB}" type="datetimeFigureOut">
               <a:rPr kumimoji="1" lang="zh-TW" altLang="en-US" smtClean="0"/>
-              <a:t>2022/4/10</a:t>
+              <a:t>2022/4/24</a:t>
             </a:fld>
             <a:endParaRPr kumimoji="1" lang="zh-TW" altLang="en-US"/>
           </a:p>
@@ -2071,7 +2071,7 @@
           <a:p>
             <a:fld id="{1F8B82B0-782F-B148-A911-C18BC0FE1ECB}" type="datetimeFigureOut">
               <a:rPr kumimoji="1" lang="zh-TW" altLang="en-US" smtClean="0"/>
-              <a:t>2022/4/10</a:t>
+              <a:t>2022/4/24</a:t>
             </a:fld>
             <a:endParaRPr kumimoji="1" lang="zh-TW" altLang="en-US"/>
           </a:p>
@@ -2382,7 +2382,7 @@
           <a:p>
             <a:fld id="{1F8B82B0-782F-B148-A911-C18BC0FE1ECB}" type="datetimeFigureOut">
               <a:rPr kumimoji="1" lang="zh-TW" altLang="en-US" smtClean="0"/>
-              <a:t>2022/4/10</a:t>
+              <a:t>2022/4/24</a:t>
             </a:fld>
             <a:endParaRPr kumimoji="1" lang="zh-TW" altLang="en-US"/>
           </a:p>
@@ -2670,7 +2670,7 @@
           <a:p>
             <a:fld id="{1F8B82B0-782F-B148-A911-C18BC0FE1ECB}" type="datetimeFigureOut">
               <a:rPr kumimoji="1" lang="zh-TW" altLang="en-US" smtClean="0"/>
-              <a:t>2022/4/10</a:t>
+              <a:t>2022/4/24</a:t>
             </a:fld>
             <a:endParaRPr kumimoji="1" lang="zh-TW" altLang="en-US"/>
           </a:p>
@@ -2911,7 +2911,7 @@
           <a:p>
             <a:fld id="{1F8B82B0-782F-B148-A911-C18BC0FE1ECB}" type="datetimeFigureOut">
               <a:rPr kumimoji="1" lang="zh-TW" altLang="en-US" smtClean="0"/>
-              <a:t>2022/4/10</a:t>
+              <a:t>2022/4/24</a:t>
             </a:fld>
             <a:endParaRPr kumimoji="1" lang="zh-TW" altLang="en-US"/>
           </a:p>
@@ -5528,10 +5528,10 @@
       </p:grpSpPr>
       <p:grpSp>
         <p:nvGrpSpPr>
-          <p:cNvPr id="91" name="群組 90">
+          <p:cNvPr id="2" name="群組 1">
             <a:extLst>
               <a:ext uri="{FF2B5EF4-FFF2-40B4-BE49-F238E27FC236}">
-                <a16:creationId xmlns:a16="http://schemas.microsoft.com/office/drawing/2014/main" id="{53EC2151-E10B-8C49-993A-29D88C2D28E1}"/>
+                <a16:creationId xmlns:a16="http://schemas.microsoft.com/office/drawing/2014/main" id="{CAB5B1B6-9EEF-0A1F-2FF3-4C407EE47DC1}"/>
               </a:ext>
             </a:extLst>
           </p:cNvPr>
@@ -5540,417 +5540,864 @@
         </p:nvGrpSpPr>
         <p:grpSpPr>
           <a:xfrm>
-            <a:off x="952167" y="1163783"/>
+            <a:off x="766816" y="1460345"/>
             <a:ext cx="11007830" cy="2490840"/>
-            <a:chOff x="1223864" y="2804128"/>
-            <a:chExt cx="8855601" cy="1581253"/>
+            <a:chOff x="952167" y="1163783"/>
+            <a:chExt cx="11007830" cy="2490840"/>
           </a:xfrm>
         </p:grpSpPr>
-        <p:sp>
-          <p:nvSpPr>
-            <p:cNvPr id="6" name="TextBox 6">
+        <p:grpSp>
+          <p:nvGrpSpPr>
+            <p:cNvPr id="91" name="群組 90">
               <a:extLst>
                 <a:ext uri="{FF2B5EF4-FFF2-40B4-BE49-F238E27FC236}">
-                  <a16:creationId xmlns:a16="http://schemas.microsoft.com/office/drawing/2014/main" id="{78286F97-9A0B-7246-9FA6-CD7C6E10524D}"/>
+                  <a16:creationId xmlns:a16="http://schemas.microsoft.com/office/drawing/2014/main" id="{53EC2151-E10B-8C49-993A-29D88C2D28E1}"/>
                 </a:ext>
               </a:extLst>
             </p:cNvPr>
-            <p:cNvSpPr txBox="1"/>
+            <p:cNvGrpSpPr/>
             <p:nvPr/>
-          </p:nvSpPr>
-          <p:spPr>
+          </p:nvGrpSpPr>
+          <p:grpSpPr>
             <a:xfrm>
-              <a:off x="1223864" y="3364443"/>
-              <a:ext cx="971296" cy="254001"/>
+              <a:off x="952167" y="1163783"/>
+              <a:ext cx="11007830" cy="2490840"/>
+              <a:chOff x="1223864" y="2804128"/>
+              <a:chExt cx="8855601" cy="1581253"/>
             </a:xfrm>
-            <a:prstGeom prst="rect">
-              <a:avLst/>
-            </a:prstGeom>
-            <a:noFill/>
-          </p:spPr>
-          <p:txBody>
-            <a:bodyPr wrap="square" rtlCol="0">
-              <a:spAutoFit/>
-            </a:bodyPr>
-            <a:lstStyle/>
-            <a:p>
-              <a:pPr algn="ctr"/>
-              <a:r>
-                <a:rPr lang="en-US" sz="2000" b="1" dirty="0"/>
-                <a:t>Uploader</a:t>
-              </a:r>
-            </a:p>
-          </p:txBody>
-        </p:sp>
+          </p:grpSpPr>
+          <p:sp>
+            <p:nvSpPr>
+              <p:cNvPr id="6" name="TextBox 6">
+                <a:extLst>
+                  <a:ext uri="{FF2B5EF4-FFF2-40B4-BE49-F238E27FC236}">
+                    <a16:creationId xmlns:a16="http://schemas.microsoft.com/office/drawing/2014/main" id="{78286F97-9A0B-7246-9FA6-CD7C6E10524D}"/>
+                  </a:ext>
+                </a:extLst>
+              </p:cNvPr>
+              <p:cNvSpPr txBox="1"/>
+              <p:nvPr/>
+            </p:nvSpPr>
+            <p:spPr>
+              <a:xfrm>
+                <a:off x="1223864" y="3364443"/>
+                <a:ext cx="971296" cy="254001"/>
+              </a:xfrm>
+              <a:prstGeom prst="rect">
+                <a:avLst/>
+              </a:prstGeom>
+              <a:noFill/>
+            </p:spPr>
+            <p:txBody>
+              <a:bodyPr wrap="square" rtlCol="0">
+                <a:spAutoFit/>
+              </a:bodyPr>
+              <a:lstStyle/>
+              <a:p>
+                <a:pPr algn="ctr"/>
+                <a:r>
+                  <a:rPr lang="en-US" sz="2000" b="1" dirty="0"/>
+                  <a:t>Uploader</a:t>
+                </a:r>
+              </a:p>
+            </p:txBody>
+          </p:sp>
+          <mc:AlternateContent xmlns:mc="http://schemas.openxmlformats.org/markup-compatibility/2006" xmlns:a14="http://schemas.microsoft.com/office/drawing/2010/main">
+            <mc:Choice Requires="a14">
+              <p:sp>
+                <p:nvSpPr>
+                  <p:cNvPr id="8" name="Rectangle 8">
+                    <a:extLst>
+                      <a:ext uri="{FF2B5EF4-FFF2-40B4-BE49-F238E27FC236}">
+                        <a16:creationId xmlns:a16="http://schemas.microsoft.com/office/drawing/2014/main" id="{5F74964F-F40C-BF49-8DE5-F2B125619E81}"/>
+                      </a:ext>
+                    </a:extLst>
+                  </p:cNvPr>
+                  <p:cNvSpPr/>
+                  <p:nvPr/>
+                </p:nvSpPr>
+                <p:spPr>
+                  <a:xfrm>
+                    <a:off x="3638247" y="3254459"/>
+                    <a:ext cx="2847922" cy="250870"/>
+                  </a:xfrm>
+                  <a:prstGeom prst="rect">
+                    <a:avLst/>
+                  </a:prstGeom>
+                  <a:solidFill>
+                    <a:schemeClr val="accent6">
+                      <a:lumMod val="60000"/>
+                      <a:lumOff val="40000"/>
+                    </a:schemeClr>
+                  </a:solidFill>
+                </p:spPr>
+                <p:style>
+                  <a:lnRef idx="2">
+                    <a:schemeClr val="accent6">
+                      <a:shade val="50000"/>
+                    </a:schemeClr>
+                  </a:lnRef>
+                  <a:fillRef idx="1">
+                    <a:schemeClr val="accent6"/>
+                  </a:fillRef>
+                  <a:effectRef idx="0">
+                    <a:schemeClr val="accent6"/>
+                  </a:effectRef>
+                  <a:fontRef idx="minor">
+                    <a:schemeClr val="lt1"/>
+                  </a:fontRef>
+                </p:style>
+                <p:txBody>
+                  <a:bodyPr rtlCol="0" anchor="ctr"/>
+                  <a:lstStyle/>
+                  <a:p>
+                    <a:pPr algn="ctr"/>
+                    <a14:m>
+                      <m:oMathPara xmlns:m="http://schemas.openxmlformats.org/officeDocument/2006/math">
+                        <m:oMathParaPr>
+                          <m:jc m:val="center"/>
+                        </m:oMathParaPr>
+                        <m:oMath xmlns:m="http://schemas.openxmlformats.org/officeDocument/2006/math">
+                          <m:sSub>
+                            <m:sSubPr>
+                              <m:ctrlPr>
+                                <a:rPr lang="en-US" altLang="zh-TW" sz="1500" i="1" smtClean="0">
+                                  <a:solidFill>
+                                    <a:schemeClr val="tx1"/>
+                                  </a:solidFill>
+                                  <a:latin typeface="Cambria Math" panose="02040503050406030204" pitchFamily="18" charset="0"/>
+                                </a:rPr>
+                              </m:ctrlPr>
+                            </m:sSubPr>
+                            <m:e>
+                              <m:r>
+                                <a:rPr lang="en-US" altLang="zh-TW" sz="1500" b="0" i="1" smtClean="0">
+                                  <a:solidFill>
+                                    <a:schemeClr val="tx1"/>
+                                  </a:solidFill>
+                                  <a:latin typeface="Cambria Math" panose="02040503050406030204" pitchFamily="18" charset="0"/>
+                                </a:rPr>
+                                <m:t>𝑡</m:t>
+                              </m:r>
+                            </m:e>
+                            <m:sub>
+                              <m:r>
+                                <a:rPr lang="en-US" altLang="zh-TW" sz="1500" b="0" i="1" smtClean="0">
+                                  <a:solidFill>
+                                    <a:schemeClr val="tx1"/>
+                                  </a:solidFill>
+                                  <a:latin typeface="Cambria Math" panose="02040503050406030204" pitchFamily="18" charset="0"/>
+                                </a:rPr>
+                                <m:t>𝑖</m:t>
+                              </m:r>
+                            </m:sub>
+                          </m:sSub>
+                          <m:r>
+                            <a:rPr lang="en-US" altLang="zh-TW" sz="1500" b="0" i="1" smtClean="0">
+                              <a:solidFill>
+                                <a:schemeClr val="tx1"/>
+                              </a:solidFill>
+                              <a:latin typeface="Cambria Math" panose="02040503050406030204" pitchFamily="18" charset="0"/>
+                            </a:rPr>
+                            <m:t>=</m:t>
+                          </m:r>
+                          <m:sSub>
+                            <m:sSubPr>
+                              <m:ctrlPr>
+                                <a:rPr lang="en-US" altLang="zh-TW" sz="1500" i="1" dirty="0" smtClean="0">
+                                  <a:solidFill>
+                                    <a:schemeClr val="tx1"/>
+                                  </a:solidFill>
+                                  <a:latin typeface="Cambria Math" panose="02040503050406030204" pitchFamily="18" charset="0"/>
+                                </a:rPr>
+                              </m:ctrlPr>
+                            </m:sSubPr>
+                            <m:e>
+                              <m:r>
+                                <a:rPr lang="en-US" altLang="zh-TW" sz="1500" b="0" i="1" dirty="0" smtClean="0">
+                                  <a:solidFill>
+                                    <a:schemeClr val="tx1"/>
+                                  </a:solidFill>
+                                  <a:latin typeface="Cambria Math" panose="02040503050406030204" pitchFamily="18" charset="0"/>
+                                </a:rPr>
+                                <m:t>𝑠</m:t>
+                              </m:r>
+                            </m:e>
+                            <m:sub>
+                              <m:r>
+                                <a:rPr lang="en-US" altLang="zh-TW" sz="1500" b="0" i="1" dirty="0" smtClean="0">
+                                  <a:solidFill>
+                                    <a:schemeClr val="tx1"/>
+                                  </a:solidFill>
+                                  <a:latin typeface="Cambria Math" panose="02040503050406030204" pitchFamily="18" charset="0"/>
+                                </a:rPr>
+                                <m:t>𝑖</m:t>
+                              </m:r>
+                            </m:sub>
+                          </m:sSub>
+                          <m:r>
+                            <a:rPr lang="en-US" altLang="zh-TW" sz="1500" b="0" i="1" smtClean="0">
+                              <a:solidFill>
+                                <a:schemeClr val="tx1"/>
+                              </a:solidFill>
+                              <a:latin typeface="Cambria Math" panose="02040503050406030204" pitchFamily="18" charset="0"/>
+                            </a:rPr>
+                            <m:t>/</m:t>
+                          </m:r>
+                          <m:sSub>
+                            <m:sSubPr>
+                              <m:ctrlPr>
+                                <a:rPr lang="en-US" altLang="zh-TW" sz="1500" b="0" i="1" smtClean="0">
+                                  <a:solidFill>
+                                    <a:schemeClr val="tx1"/>
+                                  </a:solidFill>
+                                  <a:latin typeface="Cambria Math" panose="02040503050406030204" pitchFamily="18" charset="0"/>
+                                </a:rPr>
+                              </m:ctrlPr>
+                            </m:sSubPr>
+                            <m:e>
+                              <m:r>
+                                <a:rPr lang="en-US" altLang="zh-TW" sz="1500" b="0" i="1" smtClean="0">
+                                  <a:solidFill>
+                                    <a:schemeClr val="tx1"/>
+                                  </a:solidFill>
+                                  <a:latin typeface="Cambria Math" panose="02040503050406030204" pitchFamily="18" charset="0"/>
+                                </a:rPr>
+                                <m:t>𝐶</m:t>
+                              </m:r>
+                            </m:e>
+                            <m:sub>
+                              <m:r>
+                                <a:rPr lang="en-US" altLang="zh-TW" sz="1500" b="0" i="1" smtClean="0">
+                                  <a:solidFill>
+                                    <a:schemeClr val="tx1"/>
+                                  </a:solidFill>
+                                  <a:latin typeface="Cambria Math" panose="02040503050406030204" pitchFamily="18" charset="0"/>
+                                </a:rPr>
+                                <m:t>𝑖</m:t>
+                              </m:r>
+                            </m:sub>
+                          </m:sSub>
+                        </m:oMath>
+                      </m:oMathPara>
+                    </a14:m>
+                    <a:endParaRPr lang="en-US" sz="1500" dirty="0"/>
+                  </a:p>
+                </p:txBody>
+              </p:sp>
+            </mc:Choice>
+            <mc:Fallback xmlns="">
+              <p:sp>
+                <p:nvSpPr>
+                  <p:cNvPr id="8" name="Rectangle 8">
+                    <a:extLst>
+                      <a:ext uri="{FF2B5EF4-FFF2-40B4-BE49-F238E27FC236}">
+                        <a16:creationId xmlns:a16="http://schemas.microsoft.com/office/drawing/2014/main" id="{5F74964F-F40C-BF49-8DE5-F2B125619E81}"/>
+                      </a:ext>
+                    </a:extLst>
+                  </p:cNvPr>
+                  <p:cNvSpPr>
+                    <a:spLocks noRot="1" noChangeAspect="1" noMove="1" noResize="1" noEditPoints="1" noAdjustHandles="1" noChangeArrowheads="1" noChangeShapeType="1" noTextEdit="1"/>
+                  </p:cNvSpPr>
+                  <p:nvPr/>
+                </p:nvSpPr>
+                <p:spPr>
+                  <a:xfrm>
+                    <a:off x="3638247" y="3254459"/>
+                    <a:ext cx="2847922" cy="250870"/>
+                  </a:xfrm>
+                  <a:prstGeom prst="rect">
+                    <a:avLst/>
+                  </a:prstGeom>
+                  <a:blipFill>
+                    <a:blip r:embed="rId2"/>
+                    <a:stretch>
+                      <a:fillRect/>
+                    </a:stretch>
+                  </a:blipFill>
+                </p:spPr>
+                <p:txBody>
+                  <a:bodyPr/>
+                  <a:lstStyle/>
+                  <a:p>
+                    <a:r>
+                      <a:rPr lang="zh-TW" altLang="en-US">
+                        <a:noFill/>
+                      </a:rPr>
+                      <a:t> </a:t>
+                    </a:r>
+                  </a:p>
+                </p:txBody>
+              </p:sp>
+            </mc:Fallback>
+          </mc:AlternateContent>
+          <p:cxnSp>
+            <p:nvCxnSpPr>
+              <p:cNvPr id="23" name="Straight Arrow Connector 14">
+                <a:extLst>
+                  <a:ext uri="{FF2B5EF4-FFF2-40B4-BE49-F238E27FC236}">
+                    <a16:creationId xmlns:a16="http://schemas.microsoft.com/office/drawing/2014/main" id="{35C84121-87EC-1248-94D0-B1B3E7831EDE}"/>
+                  </a:ext>
+                </a:extLst>
+              </p:cNvPr>
+              <p:cNvCxnSpPr>
+                <a:cxnSpLocks/>
+              </p:cNvCxnSpPr>
+              <p:nvPr/>
+            </p:nvCxnSpPr>
+            <p:spPr>
+              <a:xfrm>
+                <a:off x="3634917" y="3774150"/>
+                <a:ext cx="2881316" cy="0"/>
+              </a:xfrm>
+              <a:prstGeom prst="straightConnector1">
+                <a:avLst/>
+              </a:prstGeom>
+              <a:ln w="25400">
+                <a:solidFill>
+                  <a:schemeClr val="tx1"/>
+                </a:solidFill>
+                <a:tailEnd type="triangle"/>
+              </a:ln>
+            </p:spPr>
+            <p:style>
+              <a:lnRef idx="1">
+                <a:schemeClr val="accent1"/>
+              </a:lnRef>
+              <a:fillRef idx="0">
+                <a:schemeClr val="accent1"/>
+              </a:fillRef>
+              <a:effectRef idx="0">
+                <a:schemeClr val="accent1"/>
+              </a:effectRef>
+              <a:fontRef idx="minor">
+                <a:schemeClr val="tx1"/>
+              </a:fontRef>
+            </p:style>
+          </p:cxnSp>
+          <p:cxnSp>
+            <p:nvCxnSpPr>
+              <p:cNvPr id="28" name="Straight Connector 11">
+                <a:extLst>
+                  <a:ext uri="{FF2B5EF4-FFF2-40B4-BE49-F238E27FC236}">
+                    <a16:creationId xmlns:a16="http://schemas.microsoft.com/office/drawing/2014/main" id="{6DAEB5DB-0312-6A4F-AA38-B90412DD501D}"/>
+                  </a:ext>
+                </a:extLst>
+              </p:cNvPr>
+              <p:cNvCxnSpPr>
+                <a:cxnSpLocks/>
+              </p:cNvCxnSpPr>
+              <p:nvPr/>
+            </p:nvCxnSpPr>
+            <p:spPr>
+              <a:xfrm>
+                <a:off x="3634917" y="3047145"/>
+                <a:ext cx="0" cy="968542"/>
+              </a:xfrm>
+              <a:prstGeom prst="line">
+                <a:avLst/>
+              </a:prstGeom>
+              <a:ln w="12700">
+                <a:solidFill>
+                  <a:schemeClr val="tx1"/>
+                </a:solidFill>
+                <a:prstDash val="lgDash"/>
+              </a:ln>
+            </p:spPr>
+            <p:style>
+              <a:lnRef idx="1">
+                <a:schemeClr val="accent1"/>
+              </a:lnRef>
+              <a:fillRef idx="0">
+                <a:schemeClr val="accent1"/>
+              </a:fillRef>
+              <a:effectRef idx="0">
+                <a:schemeClr val="accent1"/>
+              </a:effectRef>
+              <a:fontRef idx="minor">
+                <a:schemeClr val="tx1"/>
+              </a:fontRef>
+            </p:style>
+          </p:cxnSp>
+          <p:cxnSp>
+            <p:nvCxnSpPr>
+              <p:cNvPr id="4" name="Straight Arrow Connector 4">
+                <a:extLst>
+                  <a:ext uri="{FF2B5EF4-FFF2-40B4-BE49-F238E27FC236}">
+                    <a16:creationId xmlns:a16="http://schemas.microsoft.com/office/drawing/2014/main" id="{5ECB134B-51AE-DE4D-A452-2F1158958067}"/>
+                  </a:ext>
+                </a:extLst>
+              </p:cNvPr>
+              <p:cNvCxnSpPr>
+                <a:cxnSpLocks/>
+              </p:cNvCxnSpPr>
+              <p:nvPr/>
+            </p:nvCxnSpPr>
+            <p:spPr>
+              <a:xfrm>
+                <a:off x="2227425" y="3491443"/>
+                <a:ext cx="7852040" cy="23168"/>
+              </a:xfrm>
+              <a:prstGeom prst="straightConnector1">
+                <a:avLst/>
+              </a:prstGeom>
+              <a:ln w="19050">
+                <a:solidFill>
+                  <a:schemeClr val="tx1"/>
+                </a:solidFill>
+                <a:tailEnd type="triangle"/>
+              </a:ln>
+            </p:spPr>
+            <p:style>
+              <a:lnRef idx="1">
+                <a:schemeClr val="accent1"/>
+              </a:lnRef>
+              <a:fillRef idx="0">
+                <a:schemeClr val="accent1"/>
+              </a:fillRef>
+              <a:effectRef idx="0">
+                <a:schemeClr val="accent1"/>
+              </a:effectRef>
+              <a:fontRef idx="minor">
+                <a:schemeClr val="tx1"/>
+              </a:fontRef>
+            </p:style>
+          </p:cxnSp>
+          <mc:AlternateContent xmlns:mc="http://schemas.openxmlformats.org/markup-compatibility/2006" xmlns:a14="http://schemas.microsoft.com/office/drawing/2010/main">
+            <mc:Choice Requires="a14">
+              <p:sp>
+                <p:nvSpPr>
+                  <p:cNvPr id="20" name="TextBox 37">
+                    <a:extLst>
+                      <a:ext uri="{FF2B5EF4-FFF2-40B4-BE49-F238E27FC236}">
+                        <a16:creationId xmlns:a16="http://schemas.microsoft.com/office/drawing/2014/main" id="{7D3E6B9A-B885-A344-815A-28FBCEF733BB}"/>
+                      </a:ext>
+                    </a:extLst>
+                  </p:cNvPr>
+                  <p:cNvSpPr txBox="1"/>
+                  <p:nvPr/>
+                </p:nvSpPr>
+                <p:spPr>
+                  <a:xfrm>
+                    <a:off x="2443629" y="4028565"/>
+                    <a:ext cx="883485" cy="292223"/>
+                  </a:xfrm>
+                  <a:prstGeom prst="rect">
+                    <a:avLst/>
+                  </a:prstGeom>
+                  <a:noFill/>
+                </p:spPr>
+                <p:txBody>
+                  <a:bodyPr wrap="square" rtlCol="0">
+                    <a:spAutoFit/>
+                  </a:bodyPr>
+                  <a:lstStyle/>
+                  <a:p>
+                    <a:pPr/>
+                    <a14:m>
+                      <m:oMathPara xmlns:m="http://schemas.openxmlformats.org/officeDocument/2006/math">
+                        <m:oMathParaPr>
+                          <m:jc m:val="centerGroup"/>
+                        </m:oMathParaPr>
+                        <m:oMath xmlns:m="http://schemas.openxmlformats.org/officeDocument/2006/math">
+                          <m:sSubSup>
+                            <m:sSubSupPr>
+                              <m:ctrlPr>
+                                <a:rPr lang="en-US" altLang="zh-TW" i="1" smtClean="0">
+                                  <a:latin typeface="Cambria Math" panose="02040503050406030204" pitchFamily="18" charset="0"/>
+                                </a:rPr>
+                              </m:ctrlPr>
+                            </m:sSubSupPr>
+                            <m:e>
+                              <m:r>
+                                <a:rPr lang="en-US" altLang="zh-TW" b="0" i="1" smtClean="0">
+                                  <a:latin typeface="Cambria Math" panose="02040503050406030204" pitchFamily="18" charset="0"/>
+                                </a:rPr>
+                                <m:t>𝑡</m:t>
+                              </m:r>
+                            </m:e>
+                            <m:sub>
+                              <m:r>
+                                <a:rPr lang="en-US" altLang="zh-TW" b="0" i="1" smtClean="0">
+                                  <a:latin typeface="Cambria Math" panose="02040503050406030204" pitchFamily="18" charset="0"/>
+                                </a:rPr>
+                                <m:t>𝑔</m:t>
+                              </m:r>
+                            </m:sub>
+                            <m:sup>
+                              <m:r>
+                                <a:rPr lang="en-US" altLang="zh-TW" b="0" i="1" smtClean="0">
+                                  <a:latin typeface="Cambria Math" panose="02040503050406030204" pitchFamily="18" charset="0"/>
+                                </a:rPr>
+                                <m:t>(</m:t>
+                              </m:r>
+                              <m:r>
+                                <a:rPr lang="en-US" altLang="zh-TW" b="0" i="1" smtClean="0">
+                                  <a:latin typeface="Cambria Math" panose="02040503050406030204" pitchFamily="18" charset="0"/>
+                                </a:rPr>
+                                <m:t>𝑖</m:t>
+                              </m:r>
+                              <m:r>
+                                <a:rPr lang="en-US" altLang="zh-TW" b="0" i="1" smtClean="0">
+                                  <a:latin typeface="Cambria Math" panose="02040503050406030204" pitchFamily="18" charset="0"/>
+                                </a:rPr>
+                                <m:t>)</m:t>
+                              </m:r>
+                            </m:sup>
+                          </m:sSubSup>
+                        </m:oMath>
+                      </m:oMathPara>
+                    </a14:m>
+                    <a:endParaRPr lang="en-US" dirty="0"/>
+                  </a:p>
+                </p:txBody>
+              </p:sp>
+            </mc:Choice>
+            <mc:Fallback xmlns="">
+              <p:sp>
+                <p:nvSpPr>
+                  <p:cNvPr id="20" name="TextBox 37">
+                    <a:extLst>
+                      <a:ext uri="{FF2B5EF4-FFF2-40B4-BE49-F238E27FC236}">
+                        <a16:creationId xmlns:a16="http://schemas.microsoft.com/office/drawing/2014/main" id="{7D3E6B9A-B885-A344-815A-28FBCEF733BB}"/>
+                      </a:ext>
+                    </a:extLst>
+                  </p:cNvPr>
+                  <p:cNvSpPr txBox="1">
+                    <a:spLocks noRot="1" noChangeAspect="1" noMove="1" noResize="1" noEditPoints="1" noAdjustHandles="1" noChangeArrowheads="1" noChangeShapeType="1" noTextEdit="1"/>
+                  </p:cNvSpPr>
+                  <p:nvPr/>
+                </p:nvSpPr>
+                <p:spPr>
+                  <a:xfrm>
+                    <a:off x="2443629" y="4028565"/>
+                    <a:ext cx="883485" cy="292223"/>
+                  </a:xfrm>
+                  <a:prstGeom prst="rect">
+                    <a:avLst/>
+                  </a:prstGeom>
+                  <a:blipFill>
+                    <a:blip r:embed="rId3"/>
+                    <a:stretch>
+                      <a:fillRect b="-5405"/>
+                    </a:stretch>
+                  </a:blipFill>
+                </p:spPr>
+                <p:txBody>
+                  <a:bodyPr/>
+                  <a:lstStyle/>
+                  <a:p>
+                    <a:r>
+                      <a:rPr lang="zh-TW" altLang="en-US">
+                        <a:noFill/>
+                      </a:rPr>
+                      <a:t> </a:t>
+                    </a:r>
+                  </a:p>
+                </p:txBody>
+              </p:sp>
+            </mc:Fallback>
+          </mc:AlternateContent>
+          <p:cxnSp>
+            <p:nvCxnSpPr>
+              <p:cNvPr id="24" name="Straight Connector 11">
+                <a:extLst>
+                  <a:ext uri="{FF2B5EF4-FFF2-40B4-BE49-F238E27FC236}">
+                    <a16:creationId xmlns:a16="http://schemas.microsoft.com/office/drawing/2014/main" id="{40DEBAEE-FDDE-1349-BAE1-583F82697F6D}"/>
+                  </a:ext>
+                </a:extLst>
+              </p:cNvPr>
+              <p:cNvCxnSpPr>
+                <a:cxnSpLocks/>
+              </p:cNvCxnSpPr>
+              <p:nvPr/>
+            </p:nvCxnSpPr>
+            <p:spPr>
+              <a:xfrm>
+                <a:off x="2881791" y="2804128"/>
+                <a:ext cx="0" cy="1211559"/>
+              </a:xfrm>
+              <a:prstGeom prst="line">
+                <a:avLst/>
+              </a:prstGeom>
+              <a:ln w="19050">
+                <a:solidFill>
+                  <a:schemeClr val="tx1"/>
+                </a:solidFill>
+                <a:prstDash val="lgDash"/>
+              </a:ln>
+            </p:spPr>
+            <p:style>
+              <a:lnRef idx="1">
+                <a:schemeClr val="accent1"/>
+              </a:lnRef>
+              <a:fillRef idx="0">
+                <a:schemeClr val="accent1"/>
+              </a:fillRef>
+              <a:effectRef idx="0">
+                <a:schemeClr val="accent1"/>
+              </a:effectRef>
+              <a:fontRef idx="minor">
+                <a:schemeClr val="tx1"/>
+              </a:fontRef>
+            </p:style>
+          </p:cxnSp>
+          <p:cxnSp>
+            <p:nvCxnSpPr>
+              <p:cNvPr id="45" name="Straight Connector 11">
+                <a:extLst>
+                  <a:ext uri="{FF2B5EF4-FFF2-40B4-BE49-F238E27FC236}">
+                    <a16:creationId xmlns:a16="http://schemas.microsoft.com/office/drawing/2014/main" id="{69DF976E-871A-E34C-B58C-35251504D51F}"/>
+                  </a:ext>
+                </a:extLst>
+              </p:cNvPr>
+              <p:cNvCxnSpPr>
+                <a:cxnSpLocks/>
+              </p:cNvCxnSpPr>
+              <p:nvPr/>
+            </p:nvCxnSpPr>
+            <p:spPr>
+              <a:xfrm>
+                <a:off x="6075401" y="2804128"/>
+                <a:ext cx="0" cy="1211558"/>
+              </a:xfrm>
+              <a:prstGeom prst="line">
+                <a:avLst/>
+              </a:prstGeom>
+              <a:ln w="19050">
+                <a:solidFill>
+                  <a:schemeClr val="tx1"/>
+                </a:solidFill>
+                <a:prstDash val="lgDash"/>
+              </a:ln>
+            </p:spPr>
+            <p:style>
+              <a:lnRef idx="1">
+                <a:schemeClr val="accent1"/>
+              </a:lnRef>
+              <a:fillRef idx="0">
+                <a:schemeClr val="accent1"/>
+              </a:fillRef>
+              <a:effectRef idx="0">
+                <a:schemeClr val="accent1"/>
+              </a:effectRef>
+              <a:fontRef idx="minor">
+                <a:schemeClr val="tx1"/>
+              </a:fontRef>
+            </p:style>
+          </p:cxnSp>
+          <p:cxnSp>
+            <p:nvCxnSpPr>
+              <p:cNvPr id="69" name="Straight Connector 11">
+                <a:extLst>
+                  <a:ext uri="{FF2B5EF4-FFF2-40B4-BE49-F238E27FC236}">
+                    <a16:creationId xmlns:a16="http://schemas.microsoft.com/office/drawing/2014/main" id="{1C19F683-EF24-4F4D-99F9-902A41F8A54A}"/>
+                  </a:ext>
+                </a:extLst>
+              </p:cNvPr>
+              <p:cNvCxnSpPr>
+                <a:cxnSpLocks/>
+              </p:cNvCxnSpPr>
+              <p:nvPr/>
+            </p:nvCxnSpPr>
+            <p:spPr>
+              <a:xfrm>
+                <a:off x="9134959" y="2804128"/>
+                <a:ext cx="0" cy="1204759"/>
+              </a:xfrm>
+              <a:prstGeom prst="line">
+                <a:avLst/>
+              </a:prstGeom>
+              <a:ln w="19050">
+                <a:solidFill>
+                  <a:schemeClr val="tx1"/>
+                </a:solidFill>
+                <a:prstDash val="lgDash"/>
+              </a:ln>
+            </p:spPr>
+            <p:style>
+              <a:lnRef idx="1">
+                <a:schemeClr val="accent1"/>
+              </a:lnRef>
+              <a:fillRef idx="0">
+                <a:schemeClr val="accent1"/>
+              </a:fillRef>
+              <a:effectRef idx="0">
+                <a:schemeClr val="accent1"/>
+              </a:effectRef>
+              <a:fontRef idx="minor">
+                <a:schemeClr val="tx1"/>
+              </a:fontRef>
+            </p:style>
+          </p:cxnSp>
+          <p:cxnSp>
+            <p:nvCxnSpPr>
+              <p:cNvPr id="85" name="Straight Connector 11">
+                <a:extLst>
+                  <a:ext uri="{FF2B5EF4-FFF2-40B4-BE49-F238E27FC236}">
+                    <a16:creationId xmlns:a16="http://schemas.microsoft.com/office/drawing/2014/main" id="{1786972D-AD5D-714A-9286-FF3A8DEE327A}"/>
+                  </a:ext>
+                </a:extLst>
+              </p:cNvPr>
+              <p:cNvCxnSpPr>
+                <a:cxnSpLocks/>
+              </p:cNvCxnSpPr>
+              <p:nvPr/>
+            </p:nvCxnSpPr>
+            <p:spPr>
+              <a:xfrm>
+                <a:off x="6493121" y="2979761"/>
+                <a:ext cx="0" cy="1006376"/>
+              </a:xfrm>
+              <a:prstGeom prst="line">
+                <a:avLst/>
+              </a:prstGeom>
+              <a:ln w="12700">
+                <a:solidFill>
+                  <a:schemeClr val="tx1"/>
+                </a:solidFill>
+                <a:prstDash val="lgDash"/>
+              </a:ln>
+            </p:spPr>
+            <p:style>
+              <a:lnRef idx="1">
+                <a:schemeClr val="accent1"/>
+              </a:lnRef>
+              <a:fillRef idx="0">
+                <a:schemeClr val="accent1"/>
+              </a:fillRef>
+              <a:effectRef idx="0">
+                <a:schemeClr val="accent1"/>
+              </a:effectRef>
+              <a:fontRef idx="minor">
+                <a:schemeClr val="tx1"/>
+              </a:fontRef>
+            </p:style>
+          </p:cxnSp>
+          <mc:AlternateContent xmlns:mc="http://schemas.openxmlformats.org/markup-compatibility/2006" xmlns:a14="http://schemas.microsoft.com/office/drawing/2010/main">
+            <mc:Choice Requires="a14">
+              <p:sp>
+                <p:nvSpPr>
+                  <p:cNvPr id="90" name="TextBox 37">
+                    <a:extLst>
+                      <a:ext uri="{FF2B5EF4-FFF2-40B4-BE49-F238E27FC236}">
+                        <a16:creationId xmlns:a16="http://schemas.microsoft.com/office/drawing/2014/main" id="{29B486E1-F9DD-714F-AD51-930D1AFC58FB}"/>
+                      </a:ext>
+                    </a:extLst>
+                  </p:cNvPr>
+                  <p:cNvSpPr txBox="1"/>
+                  <p:nvPr/>
+                </p:nvSpPr>
+                <p:spPr>
+                  <a:xfrm>
+                    <a:off x="3199421" y="4016049"/>
+                    <a:ext cx="883485" cy="369332"/>
+                  </a:xfrm>
+                  <a:prstGeom prst="rect">
+                    <a:avLst/>
+                  </a:prstGeom>
+                  <a:noFill/>
+                </p:spPr>
+                <p:txBody>
+                  <a:bodyPr wrap="square" rtlCol="0">
+                    <a:spAutoFit/>
+                  </a:bodyPr>
+                  <a:lstStyle/>
+                  <a:p>
+                    <a:pPr/>
+                    <a14:m>
+                      <m:oMathPara xmlns:m="http://schemas.openxmlformats.org/officeDocument/2006/math">
+                        <m:oMathParaPr>
+                          <m:jc m:val="centerGroup"/>
+                        </m:oMathParaPr>
+                        <m:oMath xmlns:m="http://schemas.openxmlformats.org/officeDocument/2006/math">
+                          <m:sSub>
+                            <m:sSubPr>
+                              <m:ctrlPr>
+                                <a:rPr lang="en-US" altLang="zh-TW" b="0" i="1" smtClean="0">
+                                  <a:latin typeface="Cambria Math" panose="02040503050406030204" pitchFamily="18" charset="0"/>
+                                </a:rPr>
+                              </m:ctrlPr>
+                            </m:sSubPr>
+                            <m:e>
+                              <m:r>
+                                <a:rPr lang="en-US" altLang="zh-TW" b="0" i="1" smtClean="0">
+                                  <a:latin typeface="Cambria Math" panose="02040503050406030204" pitchFamily="18" charset="0"/>
+                                </a:rPr>
+                                <m:t>𝑡</m:t>
+                              </m:r>
+                            </m:e>
+                            <m:sub>
+                              <m:r>
+                                <a:rPr lang="en-US" altLang="zh-TW" b="0" i="1" smtClean="0">
+                                  <a:latin typeface="Cambria Math" panose="02040503050406030204" pitchFamily="18" charset="0"/>
+                                </a:rPr>
+                                <m:t>𝑠</m:t>
+                              </m:r>
+                            </m:sub>
+                          </m:sSub>
+                        </m:oMath>
+                      </m:oMathPara>
+                    </a14:m>
+                    <a:endParaRPr lang="en-US" dirty="0"/>
+                  </a:p>
+                </p:txBody>
+              </p:sp>
+            </mc:Choice>
+            <mc:Fallback xmlns="">
+              <p:sp>
+                <p:nvSpPr>
+                  <p:cNvPr id="90" name="TextBox 37">
+                    <a:extLst>
+                      <a:ext uri="{FF2B5EF4-FFF2-40B4-BE49-F238E27FC236}">
+                        <a16:creationId xmlns:a16="http://schemas.microsoft.com/office/drawing/2014/main" id="{29B486E1-F9DD-714F-AD51-930D1AFC58FB}"/>
+                      </a:ext>
+                    </a:extLst>
+                  </p:cNvPr>
+                  <p:cNvSpPr txBox="1">
+                    <a:spLocks noRot="1" noChangeAspect="1" noMove="1" noResize="1" noEditPoints="1" noAdjustHandles="1" noChangeArrowheads="1" noChangeShapeType="1" noTextEdit="1"/>
+                  </p:cNvSpPr>
+                  <p:nvPr/>
+                </p:nvSpPr>
+                <p:spPr>
+                  <a:xfrm>
+                    <a:off x="3199421" y="4016049"/>
+                    <a:ext cx="883485" cy="369332"/>
+                  </a:xfrm>
+                  <a:prstGeom prst="rect">
+                    <a:avLst/>
+                  </a:prstGeom>
+                  <a:blipFill>
+                    <a:blip r:embed="rId4"/>
+                    <a:stretch>
+                      <a:fillRect/>
+                    </a:stretch>
+                  </a:blipFill>
+                </p:spPr>
+                <p:txBody>
+                  <a:bodyPr/>
+                  <a:lstStyle/>
+                  <a:p>
+                    <a:r>
+                      <a:rPr lang="zh-TW" altLang="en-US">
+                        <a:noFill/>
+                      </a:rPr>
+                      <a:t> </a:t>
+                    </a:r>
+                  </a:p>
+                </p:txBody>
+              </p:sp>
+            </mc:Fallback>
+          </mc:AlternateContent>
+        </p:grpSp>
         <mc:AlternateContent xmlns:mc="http://schemas.openxmlformats.org/markup-compatibility/2006">
           <mc:Choice xmlns:a14="http://schemas.microsoft.com/office/drawing/2010/main" Requires="a14">
             <p:sp>
               <p:nvSpPr>
-                <p:cNvPr id="8" name="Rectangle 8">
+                <p:cNvPr id="39" name="TextBox 37">
                   <a:extLst>
                     <a:ext uri="{FF2B5EF4-FFF2-40B4-BE49-F238E27FC236}">
-                      <a16:creationId xmlns:a16="http://schemas.microsoft.com/office/drawing/2014/main" id="{5F74964F-F40C-BF49-8DE5-F2B125619E81}"/>
-                    </a:ext>
-                  </a:extLst>
-                </p:cNvPr>
-                <p:cNvSpPr/>
-                <p:nvPr/>
-              </p:nvSpPr>
-              <p:spPr>
-                <a:xfrm>
-                  <a:off x="3638247" y="3254459"/>
-                  <a:ext cx="2847922" cy="250870"/>
-                </a:xfrm>
-                <a:prstGeom prst="rect">
-                  <a:avLst/>
-                </a:prstGeom>
-                <a:solidFill>
-                  <a:schemeClr val="accent6">
-                    <a:lumMod val="60000"/>
-                    <a:lumOff val="40000"/>
-                  </a:schemeClr>
-                </a:solidFill>
-              </p:spPr>
-              <p:style>
-                <a:lnRef idx="2">
-                  <a:schemeClr val="accent6">
-                    <a:shade val="50000"/>
-                  </a:schemeClr>
-                </a:lnRef>
-                <a:fillRef idx="1">
-                  <a:schemeClr val="accent6"/>
-                </a:fillRef>
-                <a:effectRef idx="0">
-                  <a:schemeClr val="accent6"/>
-                </a:effectRef>
-                <a:fontRef idx="minor">
-                  <a:schemeClr val="lt1"/>
-                </a:fontRef>
-              </p:style>
-              <p:txBody>
-                <a:bodyPr rtlCol="0" anchor="ctr"/>
-                <a:lstStyle/>
-                <a:p>
-                  <a:pPr algn="ctr"/>
-                  <a14:m>
-                    <m:oMathPara xmlns:m="http://schemas.openxmlformats.org/officeDocument/2006/math">
-                      <m:oMathParaPr>
-                        <m:jc m:val="center"/>
-                      </m:oMathParaPr>
-                      <m:oMath xmlns:m="http://schemas.openxmlformats.org/officeDocument/2006/math">
-                        <m:sSub>
-                          <m:sSubPr>
-                            <m:ctrlPr>
-                              <a:rPr lang="en-US" altLang="zh-TW" sz="1500" i="1" smtClean="0">
-                                <a:solidFill>
-                                  <a:schemeClr val="tx1"/>
-                                </a:solidFill>
-                                <a:latin typeface="Cambria Math" panose="02040503050406030204" pitchFamily="18" charset="0"/>
-                              </a:rPr>
-                            </m:ctrlPr>
-                          </m:sSubPr>
-                          <m:e>
-                            <m:r>
-                              <a:rPr lang="en-US" altLang="zh-TW" sz="1500" b="0" i="1" smtClean="0">
-                                <a:solidFill>
-                                  <a:schemeClr val="tx1"/>
-                                </a:solidFill>
-                                <a:latin typeface="Cambria Math" panose="02040503050406030204" pitchFamily="18" charset="0"/>
-                              </a:rPr>
-                              <m:t>𝑡</m:t>
-                            </m:r>
-                          </m:e>
-                          <m:sub>
-                            <m:r>
-                              <a:rPr lang="en-US" altLang="zh-TW" sz="1500" b="0" i="1" smtClean="0">
-                                <a:solidFill>
-                                  <a:schemeClr val="tx1"/>
-                                </a:solidFill>
-                                <a:latin typeface="Cambria Math" panose="02040503050406030204" pitchFamily="18" charset="0"/>
-                              </a:rPr>
-                              <m:t>𝑖</m:t>
-                            </m:r>
-                          </m:sub>
-                        </m:sSub>
-                        <m:r>
-                          <a:rPr lang="en-US" altLang="zh-TW" sz="1500" b="0" i="1" smtClean="0">
-                            <a:solidFill>
-                              <a:schemeClr val="tx1"/>
-                            </a:solidFill>
-                            <a:latin typeface="Cambria Math" panose="02040503050406030204" pitchFamily="18" charset="0"/>
-                          </a:rPr>
-                          <m:t>=</m:t>
-                        </m:r>
-                        <m:sSub>
-                          <m:sSubPr>
-                            <m:ctrlPr>
-                              <a:rPr lang="en-US" altLang="zh-TW" sz="1500" i="1" dirty="0" smtClean="0">
-                                <a:solidFill>
-                                  <a:schemeClr val="tx1"/>
-                                </a:solidFill>
-                                <a:latin typeface="Cambria Math" panose="02040503050406030204" pitchFamily="18" charset="0"/>
-                              </a:rPr>
-                            </m:ctrlPr>
-                          </m:sSubPr>
-                          <m:e>
-                            <m:r>
-                              <a:rPr lang="en-US" altLang="zh-TW" sz="1500" b="0" i="1" dirty="0" smtClean="0">
-                                <a:solidFill>
-                                  <a:schemeClr val="tx1"/>
-                                </a:solidFill>
-                                <a:latin typeface="Cambria Math" panose="02040503050406030204" pitchFamily="18" charset="0"/>
-                              </a:rPr>
-                              <m:t>𝑠</m:t>
-                            </m:r>
-                          </m:e>
-                          <m:sub>
-                            <m:r>
-                              <a:rPr lang="en-US" altLang="zh-TW" sz="1500" b="0" i="1" dirty="0" smtClean="0">
-                                <a:solidFill>
-                                  <a:schemeClr val="tx1"/>
-                                </a:solidFill>
-                                <a:latin typeface="Cambria Math" panose="02040503050406030204" pitchFamily="18" charset="0"/>
-                              </a:rPr>
-                              <m:t>𝑖</m:t>
-                            </m:r>
-                          </m:sub>
-                        </m:sSub>
-                        <m:r>
-                          <a:rPr lang="en-US" altLang="zh-TW" sz="1500" b="0" i="1" smtClean="0">
-                            <a:solidFill>
-                              <a:schemeClr val="tx1"/>
-                            </a:solidFill>
-                            <a:latin typeface="Cambria Math" panose="02040503050406030204" pitchFamily="18" charset="0"/>
-                          </a:rPr>
-                          <m:t>/</m:t>
-                        </m:r>
-                        <m:sSub>
-                          <m:sSubPr>
-                            <m:ctrlPr>
-                              <a:rPr lang="en-US" altLang="zh-TW" sz="1500" b="0" i="1" smtClean="0">
-                                <a:solidFill>
-                                  <a:schemeClr val="tx1"/>
-                                </a:solidFill>
-                                <a:latin typeface="Cambria Math" panose="02040503050406030204" pitchFamily="18" charset="0"/>
-                              </a:rPr>
-                            </m:ctrlPr>
-                          </m:sSubPr>
-                          <m:e>
-                            <m:r>
-                              <a:rPr lang="en-US" altLang="zh-TW" sz="1500" b="0" i="1" smtClean="0">
-                                <a:solidFill>
-                                  <a:schemeClr val="tx1"/>
-                                </a:solidFill>
-                                <a:latin typeface="Cambria Math" panose="02040503050406030204" pitchFamily="18" charset="0"/>
-                              </a:rPr>
-                              <m:t>𝐶</m:t>
-                            </m:r>
-                          </m:e>
-                          <m:sub>
-                            <m:r>
-                              <a:rPr lang="en-US" altLang="zh-TW" sz="1500" b="0" i="1" smtClean="0">
-                                <a:solidFill>
-                                  <a:schemeClr val="tx1"/>
-                                </a:solidFill>
-                                <a:latin typeface="Cambria Math" panose="02040503050406030204" pitchFamily="18" charset="0"/>
-                              </a:rPr>
-                              <m:t>𝑖</m:t>
-                            </m:r>
-                          </m:sub>
-                        </m:sSub>
-                      </m:oMath>
-                    </m:oMathPara>
-                  </a14:m>
-                  <a:endParaRPr lang="en-US" sz="1500" dirty="0"/>
-                </a:p>
-              </p:txBody>
-            </p:sp>
-          </mc:Choice>
-          <mc:Fallback>
-            <p:sp>
-              <p:nvSpPr>
-                <p:cNvPr id="8" name="Rectangle 8">
-                  <a:extLst>
-                    <a:ext uri="{FF2B5EF4-FFF2-40B4-BE49-F238E27FC236}">
-                      <a16:creationId xmlns:a16="http://schemas.microsoft.com/office/drawing/2014/main" id="{5F74964F-F40C-BF49-8DE5-F2B125619E81}"/>
-                    </a:ext>
-                  </a:extLst>
-                </p:cNvPr>
-                <p:cNvSpPr>
-                  <a:spLocks noRot="1" noChangeAspect="1" noMove="1" noResize="1" noEditPoints="1" noAdjustHandles="1" noChangeArrowheads="1" noChangeShapeType="1" noTextEdit="1"/>
-                </p:cNvSpPr>
-                <p:nvPr/>
-              </p:nvSpPr>
-              <p:spPr>
-                <a:xfrm>
-                  <a:off x="3638247" y="3254459"/>
-                  <a:ext cx="2847922" cy="250870"/>
-                </a:xfrm>
-                <a:prstGeom prst="rect">
-                  <a:avLst/>
-                </a:prstGeom>
-                <a:blipFill>
-                  <a:blip r:embed="rId2"/>
-                  <a:stretch>
-                    <a:fillRect/>
-                  </a:stretch>
-                </a:blipFill>
-              </p:spPr>
-              <p:txBody>
-                <a:bodyPr/>
-                <a:lstStyle/>
-                <a:p>
-                  <a:r>
-                    <a:rPr lang="zh-TW" altLang="en-US">
-                      <a:noFill/>
-                    </a:rPr>
-                    <a:t> </a:t>
-                  </a:r>
-                </a:p>
-              </p:txBody>
-            </p:sp>
-          </mc:Fallback>
-        </mc:AlternateContent>
-        <p:cxnSp>
-          <p:nvCxnSpPr>
-            <p:cNvPr id="23" name="Straight Arrow Connector 14">
-              <a:extLst>
-                <a:ext uri="{FF2B5EF4-FFF2-40B4-BE49-F238E27FC236}">
-                  <a16:creationId xmlns:a16="http://schemas.microsoft.com/office/drawing/2014/main" id="{35C84121-87EC-1248-94D0-B1B3E7831EDE}"/>
-                </a:ext>
-              </a:extLst>
-            </p:cNvPr>
-            <p:cNvCxnSpPr>
-              <a:cxnSpLocks/>
-            </p:cNvCxnSpPr>
-            <p:nvPr/>
-          </p:nvCxnSpPr>
-          <p:spPr>
-            <a:xfrm>
-              <a:off x="3634917" y="3774150"/>
-              <a:ext cx="2881316" cy="0"/>
-            </a:xfrm>
-            <a:prstGeom prst="straightConnector1">
-              <a:avLst/>
-            </a:prstGeom>
-            <a:ln w="25400">
-              <a:solidFill>
-                <a:schemeClr val="tx1"/>
-              </a:solidFill>
-              <a:tailEnd type="triangle"/>
-            </a:ln>
-          </p:spPr>
-          <p:style>
-            <a:lnRef idx="1">
-              <a:schemeClr val="accent1"/>
-            </a:lnRef>
-            <a:fillRef idx="0">
-              <a:schemeClr val="accent1"/>
-            </a:fillRef>
-            <a:effectRef idx="0">
-              <a:schemeClr val="accent1"/>
-            </a:effectRef>
-            <a:fontRef idx="minor">
-              <a:schemeClr val="tx1"/>
-            </a:fontRef>
-          </p:style>
-        </p:cxnSp>
-        <p:cxnSp>
-          <p:nvCxnSpPr>
-            <p:cNvPr id="28" name="Straight Connector 11">
-              <a:extLst>
-                <a:ext uri="{FF2B5EF4-FFF2-40B4-BE49-F238E27FC236}">
-                  <a16:creationId xmlns:a16="http://schemas.microsoft.com/office/drawing/2014/main" id="{6DAEB5DB-0312-6A4F-AA38-B90412DD501D}"/>
-                </a:ext>
-              </a:extLst>
-            </p:cNvPr>
-            <p:cNvCxnSpPr>
-              <a:cxnSpLocks/>
-            </p:cNvCxnSpPr>
-            <p:nvPr/>
-          </p:nvCxnSpPr>
-          <p:spPr>
-            <a:xfrm>
-              <a:off x="3634917" y="3047145"/>
-              <a:ext cx="0" cy="968542"/>
-            </a:xfrm>
-            <a:prstGeom prst="line">
-              <a:avLst/>
-            </a:prstGeom>
-            <a:ln w="12700">
-              <a:solidFill>
-                <a:schemeClr val="tx1"/>
-              </a:solidFill>
-              <a:prstDash val="lgDash"/>
-            </a:ln>
-          </p:spPr>
-          <p:style>
-            <a:lnRef idx="1">
-              <a:schemeClr val="accent1"/>
-            </a:lnRef>
-            <a:fillRef idx="0">
-              <a:schemeClr val="accent1"/>
-            </a:fillRef>
-            <a:effectRef idx="0">
-              <a:schemeClr val="accent1"/>
-            </a:effectRef>
-            <a:fontRef idx="minor">
-              <a:schemeClr val="tx1"/>
-            </a:fontRef>
-          </p:style>
-        </p:cxnSp>
-        <p:cxnSp>
-          <p:nvCxnSpPr>
-            <p:cNvPr id="4" name="Straight Arrow Connector 4">
-              <a:extLst>
-                <a:ext uri="{FF2B5EF4-FFF2-40B4-BE49-F238E27FC236}">
-                  <a16:creationId xmlns:a16="http://schemas.microsoft.com/office/drawing/2014/main" id="{5ECB134B-51AE-DE4D-A452-2F1158958067}"/>
-                </a:ext>
-              </a:extLst>
-            </p:cNvPr>
-            <p:cNvCxnSpPr>
-              <a:cxnSpLocks/>
-            </p:cNvCxnSpPr>
-            <p:nvPr/>
-          </p:nvCxnSpPr>
-          <p:spPr>
-            <a:xfrm>
-              <a:off x="2227425" y="3491443"/>
-              <a:ext cx="7852040" cy="23168"/>
-            </a:xfrm>
-            <a:prstGeom prst="straightConnector1">
-              <a:avLst/>
-            </a:prstGeom>
-            <a:ln w="19050">
-              <a:solidFill>
-                <a:schemeClr val="tx1"/>
-              </a:solidFill>
-              <a:tailEnd type="triangle"/>
-            </a:ln>
-          </p:spPr>
-          <p:style>
-            <a:lnRef idx="1">
-              <a:schemeClr val="accent1"/>
-            </a:lnRef>
-            <a:fillRef idx="0">
-              <a:schemeClr val="accent1"/>
-            </a:fillRef>
-            <a:effectRef idx="0">
-              <a:schemeClr val="accent1"/>
-            </a:effectRef>
-            <a:fontRef idx="minor">
-              <a:schemeClr val="tx1"/>
-            </a:fontRef>
-          </p:style>
-        </p:cxnSp>
-        <mc:AlternateContent xmlns:mc="http://schemas.openxmlformats.org/markup-compatibility/2006">
-          <mc:Choice xmlns:a14="http://schemas.microsoft.com/office/drawing/2010/main" Requires="a14">
-            <p:sp>
-              <p:nvSpPr>
-                <p:cNvPr id="20" name="TextBox 37">
-                  <a:extLst>
-                    <a:ext uri="{FF2B5EF4-FFF2-40B4-BE49-F238E27FC236}">
-                      <a16:creationId xmlns:a16="http://schemas.microsoft.com/office/drawing/2014/main" id="{7D3E6B9A-B885-A344-815A-28FBCEF733BB}"/>
+                      <a16:creationId xmlns:a16="http://schemas.microsoft.com/office/drawing/2014/main" id="{F523DBAE-6F9D-0141-9661-5D4273801DD1}"/>
                     </a:ext>
                   </a:extLst>
                 </p:cNvPr>
@@ -5959,8 +6406,8 @@
               </p:nvSpPr>
               <p:spPr>
                 <a:xfrm>
-                  <a:off x="2443629" y="4028565"/>
-                  <a:ext cx="883485" cy="292223"/>
+                  <a:off x="6449198" y="3092552"/>
+                  <a:ext cx="1098204" cy="460319"/>
                 </a:xfrm>
                 <a:prstGeom prst="rect">
                   <a:avLst/>
@@ -6021,7 +6468,7 @@
                               <a:rPr lang="en-US" altLang="zh-TW" b="0" i="1" smtClean="0">
                                 <a:latin typeface="Cambria Math" panose="02040503050406030204" pitchFamily="18" charset="0"/>
                               </a:rPr>
-                              <m:t>)</m:t>
+                              <m:t>+1)</m:t>
                             </m:r>
                           </m:sup>
                         </m:sSubSup>
@@ -6036,10 +6483,10 @@
           <mc:Fallback>
             <p:sp>
               <p:nvSpPr>
-                <p:cNvPr id="20" name="TextBox 37">
+                <p:cNvPr id="39" name="TextBox 37">
                   <a:extLst>
                     <a:ext uri="{FF2B5EF4-FFF2-40B4-BE49-F238E27FC236}">
-                      <a16:creationId xmlns:a16="http://schemas.microsoft.com/office/drawing/2014/main" id="{7D3E6B9A-B885-A344-815A-28FBCEF733BB}"/>
+                      <a16:creationId xmlns:a16="http://schemas.microsoft.com/office/drawing/2014/main" id="{F523DBAE-6F9D-0141-9661-5D4273801DD1}"/>
                     </a:ext>
                   </a:extLst>
                 </p:cNvPr>
@@ -6050,14 +6497,14 @@
               </p:nvSpPr>
               <p:spPr>
                 <a:xfrm>
-                  <a:off x="2443629" y="4028565"/>
-                  <a:ext cx="883485" cy="292223"/>
+                  <a:off x="6449198" y="3092552"/>
+                  <a:ext cx="1098204" cy="460319"/>
                 </a:xfrm>
                 <a:prstGeom prst="rect">
                   <a:avLst/>
                 </a:prstGeom>
                 <a:blipFill>
-                  <a:blip r:embed="rId3"/>
+                  <a:blip r:embed="rId5"/>
                   <a:stretch>
                     <a:fillRect b="-5405"/>
                   </a:stretch>
@@ -6078,190 +6525,14 @@
             </p:sp>
           </mc:Fallback>
         </mc:AlternateContent>
-        <p:cxnSp>
-          <p:nvCxnSpPr>
-            <p:cNvPr id="24" name="Straight Connector 11">
-              <a:extLst>
-                <a:ext uri="{FF2B5EF4-FFF2-40B4-BE49-F238E27FC236}">
-                  <a16:creationId xmlns:a16="http://schemas.microsoft.com/office/drawing/2014/main" id="{40DEBAEE-FDDE-1349-BAE1-583F82697F6D}"/>
-                </a:ext>
-              </a:extLst>
-            </p:cNvPr>
-            <p:cNvCxnSpPr>
-              <a:cxnSpLocks/>
-            </p:cNvCxnSpPr>
-            <p:nvPr/>
-          </p:nvCxnSpPr>
-          <p:spPr>
-            <a:xfrm>
-              <a:off x="2881791" y="2804128"/>
-              <a:ext cx="0" cy="1211559"/>
-            </a:xfrm>
-            <a:prstGeom prst="line">
-              <a:avLst/>
-            </a:prstGeom>
-            <a:ln w="19050">
-              <a:solidFill>
-                <a:schemeClr val="tx1"/>
-              </a:solidFill>
-              <a:prstDash val="lgDash"/>
-            </a:ln>
-          </p:spPr>
-          <p:style>
-            <a:lnRef idx="1">
-              <a:schemeClr val="accent1"/>
-            </a:lnRef>
-            <a:fillRef idx="0">
-              <a:schemeClr val="accent1"/>
-            </a:fillRef>
-            <a:effectRef idx="0">
-              <a:schemeClr val="accent1"/>
-            </a:effectRef>
-            <a:fontRef idx="minor">
-              <a:schemeClr val="tx1"/>
-            </a:fontRef>
-          </p:style>
-        </p:cxnSp>
-        <p:cxnSp>
-          <p:nvCxnSpPr>
-            <p:cNvPr id="45" name="Straight Connector 11">
-              <a:extLst>
-                <a:ext uri="{FF2B5EF4-FFF2-40B4-BE49-F238E27FC236}">
-                  <a16:creationId xmlns:a16="http://schemas.microsoft.com/office/drawing/2014/main" id="{69DF976E-871A-E34C-B58C-35251504D51F}"/>
-                </a:ext>
-              </a:extLst>
-            </p:cNvPr>
-            <p:cNvCxnSpPr>
-              <a:cxnSpLocks/>
-            </p:cNvCxnSpPr>
-            <p:nvPr/>
-          </p:nvCxnSpPr>
-          <p:spPr>
-            <a:xfrm>
-              <a:off x="6075401" y="2804128"/>
-              <a:ext cx="0" cy="1211558"/>
-            </a:xfrm>
-            <a:prstGeom prst="line">
-              <a:avLst/>
-            </a:prstGeom>
-            <a:ln w="19050">
-              <a:solidFill>
-                <a:schemeClr val="tx1"/>
-              </a:solidFill>
-              <a:prstDash val="lgDash"/>
-            </a:ln>
-          </p:spPr>
-          <p:style>
-            <a:lnRef idx="1">
-              <a:schemeClr val="accent1"/>
-            </a:lnRef>
-            <a:fillRef idx="0">
-              <a:schemeClr val="accent1"/>
-            </a:fillRef>
-            <a:effectRef idx="0">
-              <a:schemeClr val="accent1"/>
-            </a:effectRef>
-            <a:fontRef idx="minor">
-              <a:schemeClr val="tx1"/>
-            </a:fontRef>
-          </p:style>
-        </p:cxnSp>
-        <p:cxnSp>
-          <p:nvCxnSpPr>
-            <p:cNvPr id="69" name="Straight Connector 11">
-              <a:extLst>
-                <a:ext uri="{FF2B5EF4-FFF2-40B4-BE49-F238E27FC236}">
-                  <a16:creationId xmlns:a16="http://schemas.microsoft.com/office/drawing/2014/main" id="{1C19F683-EF24-4F4D-99F9-902A41F8A54A}"/>
-                </a:ext>
-              </a:extLst>
-            </p:cNvPr>
-            <p:cNvCxnSpPr>
-              <a:cxnSpLocks/>
-            </p:cNvCxnSpPr>
-            <p:nvPr/>
-          </p:nvCxnSpPr>
-          <p:spPr>
-            <a:xfrm>
-              <a:off x="9134959" y="2804128"/>
-              <a:ext cx="0" cy="1204759"/>
-            </a:xfrm>
-            <a:prstGeom prst="line">
-              <a:avLst/>
-            </a:prstGeom>
-            <a:ln w="19050">
-              <a:solidFill>
-                <a:schemeClr val="tx1"/>
-              </a:solidFill>
-              <a:prstDash val="lgDash"/>
-            </a:ln>
-          </p:spPr>
-          <p:style>
-            <a:lnRef idx="1">
-              <a:schemeClr val="accent1"/>
-            </a:lnRef>
-            <a:fillRef idx="0">
-              <a:schemeClr val="accent1"/>
-            </a:fillRef>
-            <a:effectRef idx="0">
-              <a:schemeClr val="accent1"/>
-            </a:effectRef>
-            <a:fontRef idx="minor">
-              <a:schemeClr val="tx1"/>
-            </a:fontRef>
-          </p:style>
-        </p:cxnSp>
-        <p:cxnSp>
-          <p:nvCxnSpPr>
-            <p:cNvPr id="85" name="Straight Connector 11">
-              <a:extLst>
-                <a:ext uri="{FF2B5EF4-FFF2-40B4-BE49-F238E27FC236}">
-                  <a16:creationId xmlns:a16="http://schemas.microsoft.com/office/drawing/2014/main" id="{1786972D-AD5D-714A-9286-FF3A8DEE327A}"/>
-                </a:ext>
-              </a:extLst>
-            </p:cNvPr>
-            <p:cNvCxnSpPr>
-              <a:cxnSpLocks/>
-            </p:cNvCxnSpPr>
-            <p:nvPr/>
-          </p:nvCxnSpPr>
-          <p:spPr>
-            <a:xfrm>
-              <a:off x="6493121" y="2979761"/>
-              <a:ext cx="0" cy="1006376"/>
-            </a:xfrm>
-            <a:prstGeom prst="line">
-              <a:avLst/>
-            </a:prstGeom>
-            <a:ln w="12700">
-              <a:solidFill>
-                <a:schemeClr val="tx1"/>
-              </a:solidFill>
-              <a:prstDash val="lgDash"/>
-            </a:ln>
-          </p:spPr>
-          <p:style>
-            <a:lnRef idx="1">
-              <a:schemeClr val="accent1"/>
-            </a:lnRef>
-            <a:fillRef idx="0">
-              <a:schemeClr val="accent1"/>
-            </a:fillRef>
-            <a:effectRef idx="0">
-              <a:schemeClr val="accent1"/>
-            </a:effectRef>
-            <a:fontRef idx="minor">
-              <a:schemeClr val="tx1"/>
-            </a:fontRef>
-          </p:style>
-        </p:cxnSp>
         <mc:AlternateContent xmlns:mc="http://schemas.openxmlformats.org/markup-compatibility/2006">
           <mc:Choice xmlns:a14="http://schemas.microsoft.com/office/drawing/2010/main" Requires="a14">
             <p:sp>
               <p:nvSpPr>
-                <p:cNvPr id="90" name="TextBox 37">
+                <p:cNvPr id="42" name="TextBox 37">
                   <a:extLst>
                     <a:ext uri="{FF2B5EF4-FFF2-40B4-BE49-F238E27FC236}">
-                      <a16:creationId xmlns:a16="http://schemas.microsoft.com/office/drawing/2014/main" id="{29B486E1-F9DD-714F-AD51-930D1AFC58FB}"/>
+                      <a16:creationId xmlns:a16="http://schemas.microsoft.com/office/drawing/2014/main" id="{B6ACF8E1-625B-BE4E-A9A4-4EBF07C2B55B}"/>
                     </a:ext>
                   </a:extLst>
                 </p:cNvPr>
@@ -6270,8 +6541,8 @@
               </p:nvSpPr>
               <p:spPr>
                 <a:xfrm>
-                  <a:off x="3199421" y="4016049"/>
-                  <a:ext cx="883485" cy="369332"/>
+                  <a:off x="10236840" y="3092552"/>
+                  <a:ext cx="1098204" cy="460319"/>
                 </a:xfrm>
                 <a:prstGeom prst="rect">
                   <a:avLst/>
@@ -6291,14 +6562,14 @@
                         <m:jc m:val="centerGroup"/>
                       </m:oMathParaPr>
                       <m:oMath xmlns:m="http://schemas.openxmlformats.org/officeDocument/2006/math">
-                        <m:sSub>
-                          <m:sSubPr>
+                        <m:sSubSup>
+                          <m:sSubSupPr>
                             <m:ctrlPr>
-                              <a:rPr lang="en-US" altLang="zh-TW" b="0" i="1" smtClean="0">
+                              <a:rPr lang="en-US" altLang="zh-TW" i="1" smtClean="0">
                                 <a:latin typeface="Cambria Math" panose="02040503050406030204" pitchFamily="18" charset="0"/>
                               </a:rPr>
                             </m:ctrlPr>
-                          </m:sSubPr>
+                          </m:sSubSupPr>
                           <m:e>
                             <m:r>
                               <a:rPr lang="en-US" altLang="zh-TW" b="0" i="1" smtClean="0">
@@ -6312,10 +6583,30 @@
                               <a:rPr lang="en-US" altLang="zh-TW" b="0" i="1" smtClean="0">
                                 <a:latin typeface="Cambria Math" panose="02040503050406030204" pitchFamily="18" charset="0"/>
                               </a:rPr>
-                              <m:t>𝑠</m:t>
+                              <m:t>𝑔</m:t>
                             </m:r>
                           </m:sub>
-                        </m:sSub>
+                          <m:sup>
+                            <m:r>
+                              <a:rPr lang="en-US" altLang="zh-TW" b="0" i="1" smtClean="0">
+                                <a:latin typeface="Cambria Math" panose="02040503050406030204" pitchFamily="18" charset="0"/>
+                              </a:rPr>
+                              <m:t>(</m:t>
+                            </m:r>
+                            <m:r>
+                              <a:rPr lang="en-US" altLang="zh-TW" b="0" i="1" smtClean="0">
+                                <a:latin typeface="Cambria Math" panose="02040503050406030204" pitchFamily="18" charset="0"/>
+                              </a:rPr>
+                              <m:t>𝑖</m:t>
+                            </m:r>
+                            <m:r>
+                              <a:rPr lang="en-US" altLang="zh-TW" b="0" i="1" smtClean="0">
+                                <a:latin typeface="Cambria Math" panose="02040503050406030204" pitchFamily="18" charset="0"/>
+                              </a:rPr>
+                              <m:t>+2)</m:t>
+                            </m:r>
+                          </m:sup>
+                        </m:sSubSup>
                       </m:oMath>
                     </m:oMathPara>
                   </a14:m>
@@ -6327,10 +6618,10 @@
           <mc:Fallback>
             <p:sp>
               <p:nvSpPr>
-                <p:cNvPr id="90" name="TextBox 37">
+                <p:cNvPr id="42" name="TextBox 37">
                   <a:extLst>
                     <a:ext uri="{FF2B5EF4-FFF2-40B4-BE49-F238E27FC236}">
-                      <a16:creationId xmlns:a16="http://schemas.microsoft.com/office/drawing/2014/main" id="{29B486E1-F9DD-714F-AD51-930D1AFC58FB}"/>
+                      <a16:creationId xmlns:a16="http://schemas.microsoft.com/office/drawing/2014/main" id="{B6ACF8E1-625B-BE4E-A9A4-4EBF07C2B55B}"/>
                     </a:ext>
                   </a:extLst>
                 </p:cNvPr>
@@ -6341,16 +6632,16 @@
               </p:nvSpPr>
               <p:spPr>
                 <a:xfrm>
-                  <a:off x="3199421" y="4016049"/>
-                  <a:ext cx="883485" cy="369332"/>
+                  <a:off x="10236840" y="3092552"/>
+                  <a:ext cx="1098204" cy="460319"/>
                 </a:xfrm>
                 <a:prstGeom prst="rect">
                   <a:avLst/>
                 </a:prstGeom>
                 <a:blipFill>
-                  <a:blip r:embed="rId4"/>
+                  <a:blip r:embed="rId6"/>
                   <a:stretch>
-                    <a:fillRect/>
+                    <a:fillRect b="-5405"/>
                   </a:stretch>
                 </a:blipFill>
               </p:spPr>
@@ -6370,276 +6661,6 @@
           </mc:Fallback>
         </mc:AlternateContent>
       </p:grpSp>
-      <mc:AlternateContent xmlns:mc="http://schemas.openxmlformats.org/markup-compatibility/2006">
-        <mc:Choice xmlns:a14="http://schemas.microsoft.com/office/drawing/2010/main" Requires="a14">
-          <p:sp>
-            <p:nvSpPr>
-              <p:cNvPr id="39" name="TextBox 37">
-                <a:extLst>
-                  <a:ext uri="{FF2B5EF4-FFF2-40B4-BE49-F238E27FC236}">
-                    <a16:creationId xmlns:a16="http://schemas.microsoft.com/office/drawing/2014/main" id="{F523DBAE-6F9D-0141-9661-5D4273801DD1}"/>
-                  </a:ext>
-                </a:extLst>
-              </p:cNvPr>
-              <p:cNvSpPr txBox="1"/>
-              <p:nvPr/>
-            </p:nvSpPr>
-            <p:spPr>
-              <a:xfrm>
-                <a:off x="6449198" y="3092552"/>
-                <a:ext cx="1098204" cy="460319"/>
-              </a:xfrm>
-              <a:prstGeom prst="rect">
-                <a:avLst/>
-              </a:prstGeom>
-              <a:noFill/>
-            </p:spPr>
-            <p:txBody>
-              <a:bodyPr wrap="square" rtlCol="0">
-                <a:spAutoFit/>
-              </a:bodyPr>
-              <a:lstStyle/>
-              <a:p>
-                <a:pPr/>
-                <a14:m>
-                  <m:oMathPara xmlns:m="http://schemas.openxmlformats.org/officeDocument/2006/math">
-                    <m:oMathParaPr>
-                      <m:jc m:val="centerGroup"/>
-                    </m:oMathParaPr>
-                    <m:oMath xmlns:m="http://schemas.openxmlformats.org/officeDocument/2006/math">
-                      <m:sSubSup>
-                        <m:sSubSupPr>
-                          <m:ctrlPr>
-                            <a:rPr lang="en-US" altLang="zh-TW" i="1" smtClean="0">
-                              <a:latin typeface="Cambria Math" panose="02040503050406030204" pitchFamily="18" charset="0"/>
-                            </a:rPr>
-                          </m:ctrlPr>
-                        </m:sSubSupPr>
-                        <m:e>
-                          <m:r>
-                            <a:rPr lang="en-US" altLang="zh-TW" b="0" i="1" smtClean="0">
-                              <a:latin typeface="Cambria Math" panose="02040503050406030204" pitchFamily="18" charset="0"/>
-                            </a:rPr>
-                            <m:t>𝑡</m:t>
-                          </m:r>
-                        </m:e>
-                        <m:sub>
-                          <m:r>
-                            <a:rPr lang="en-US" altLang="zh-TW" b="0" i="1" smtClean="0">
-                              <a:latin typeface="Cambria Math" panose="02040503050406030204" pitchFamily="18" charset="0"/>
-                            </a:rPr>
-                            <m:t>𝑔</m:t>
-                          </m:r>
-                        </m:sub>
-                        <m:sup>
-                          <m:r>
-                            <a:rPr lang="en-US" altLang="zh-TW" b="0" i="1" smtClean="0">
-                              <a:latin typeface="Cambria Math" panose="02040503050406030204" pitchFamily="18" charset="0"/>
-                            </a:rPr>
-                            <m:t>(</m:t>
-                          </m:r>
-                          <m:r>
-                            <a:rPr lang="en-US" altLang="zh-TW" b="0" i="1" smtClean="0">
-                              <a:latin typeface="Cambria Math" panose="02040503050406030204" pitchFamily="18" charset="0"/>
-                            </a:rPr>
-                            <m:t>𝑖</m:t>
-                          </m:r>
-                          <m:r>
-                            <a:rPr lang="en-US" altLang="zh-TW" b="0" i="1" smtClean="0">
-                              <a:latin typeface="Cambria Math" panose="02040503050406030204" pitchFamily="18" charset="0"/>
-                            </a:rPr>
-                            <m:t>+1)</m:t>
-                          </m:r>
-                        </m:sup>
-                      </m:sSubSup>
-                    </m:oMath>
-                  </m:oMathPara>
-                </a14:m>
-                <a:endParaRPr lang="en-US" dirty="0"/>
-              </a:p>
-            </p:txBody>
-          </p:sp>
-        </mc:Choice>
-        <mc:Fallback>
-          <p:sp>
-            <p:nvSpPr>
-              <p:cNvPr id="39" name="TextBox 37">
-                <a:extLst>
-                  <a:ext uri="{FF2B5EF4-FFF2-40B4-BE49-F238E27FC236}">
-                    <a16:creationId xmlns:a16="http://schemas.microsoft.com/office/drawing/2014/main" id="{F523DBAE-6F9D-0141-9661-5D4273801DD1}"/>
-                  </a:ext>
-                </a:extLst>
-              </p:cNvPr>
-              <p:cNvSpPr txBox="1">
-                <a:spLocks noRot="1" noChangeAspect="1" noMove="1" noResize="1" noEditPoints="1" noAdjustHandles="1" noChangeArrowheads="1" noChangeShapeType="1" noTextEdit="1"/>
-              </p:cNvSpPr>
-              <p:nvPr/>
-            </p:nvSpPr>
-            <p:spPr>
-              <a:xfrm>
-                <a:off x="6449198" y="3092552"/>
-                <a:ext cx="1098204" cy="460319"/>
-              </a:xfrm>
-              <a:prstGeom prst="rect">
-                <a:avLst/>
-              </a:prstGeom>
-              <a:blipFill>
-                <a:blip r:embed="rId5"/>
-                <a:stretch>
-                  <a:fillRect b="-5405"/>
-                </a:stretch>
-              </a:blipFill>
-            </p:spPr>
-            <p:txBody>
-              <a:bodyPr/>
-              <a:lstStyle/>
-              <a:p>
-                <a:r>
-                  <a:rPr lang="zh-TW" altLang="en-US">
-                    <a:noFill/>
-                  </a:rPr>
-                  <a:t> </a:t>
-                </a:r>
-              </a:p>
-            </p:txBody>
-          </p:sp>
-        </mc:Fallback>
-      </mc:AlternateContent>
-      <mc:AlternateContent xmlns:mc="http://schemas.openxmlformats.org/markup-compatibility/2006">
-        <mc:Choice xmlns:a14="http://schemas.microsoft.com/office/drawing/2010/main" Requires="a14">
-          <p:sp>
-            <p:nvSpPr>
-              <p:cNvPr id="42" name="TextBox 37">
-                <a:extLst>
-                  <a:ext uri="{FF2B5EF4-FFF2-40B4-BE49-F238E27FC236}">
-                    <a16:creationId xmlns:a16="http://schemas.microsoft.com/office/drawing/2014/main" id="{B6ACF8E1-625B-BE4E-A9A4-4EBF07C2B55B}"/>
-                  </a:ext>
-                </a:extLst>
-              </p:cNvPr>
-              <p:cNvSpPr txBox="1"/>
-              <p:nvPr/>
-            </p:nvSpPr>
-            <p:spPr>
-              <a:xfrm>
-                <a:off x="10236840" y="3092552"/>
-                <a:ext cx="1098204" cy="460319"/>
-              </a:xfrm>
-              <a:prstGeom prst="rect">
-                <a:avLst/>
-              </a:prstGeom>
-              <a:noFill/>
-            </p:spPr>
-            <p:txBody>
-              <a:bodyPr wrap="square" rtlCol="0">
-                <a:spAutoFit/>
-              </a:bodyPr>
-              <a:lstStyle/>
-              <a:p>
-                <a:pPr/>
-                <a14:m>
-                  <m:oMathPara xmlns:m="http://schemas.openxmlformats.org/officeDocument/2006/math">
-                    <m:oMathParaPr>
-                      <m:jc m:val="centerGroup"/>
-                    </m:oMathParaPr>
-                    <m:oMath xmlns:m="http://schemas.openxmlformats.org/officeDocument/2006/math">
-                      <m:sSubSup>
-                        <m:sSubSupPr>
-                          <m:ctrlPr>
-                            <a:rPr lang="en-US" altLang="zh-TW" i="1" smtClean="0">
-                              <a:latin typeface="Cambria Math" panose="02040503050406030204" pitchFamily="18" charset="0"/>
-                            </a:rPr>
-                          </m:ctrlPr>
-                        </m:sSubSupPr>
-                        <m:e>
-                          <m:r>
-                            <a:rPr lang="en-US" altLang="zh-TW" b="0" i="1" smtClean="0">
-                              <a:latin typeface="Cambria Math" panose="02040503050406030204" pitchFamily="18" charset="0"/>
-                            </a:rPr>
-                            <m:t>𝑡</m:t>
-                          </m:r>
-                        </m:e>
-                        <m:sub>
-                          <m:r>
-                            <a:rPr lang="en-US" altLang="zh-TW" b="0" i="1" smtClean="0">
-                              <a:latin typeface="Cambria Math" panose="02040503050406030204" pitchFamily="18" charset="0"/>
-                            </a:rPr>
-                            <m:t>𝑔</m:t>
-                          </m:r>
-                        </m:sub>
-                        <m:sup>
-                          <m:r>
-                            <a:rPr lang="en-US" altLang="zh-TW" b="0" i="1" smtClean="0">
-                              <a:latin typeface="Cambria Math" panose="02040503050406030204" pitchFamily="18" charset="0"/>
-                            </a:rPr>
-                            <m:t>(</m:t>
-                          </m:r>
-                          <m:r>
-                            <a:rPr lang="en-US" altLang="zh-TW" b="0" i="1" smtClean="0">
-                              <a:latin typeface="Cambria Math" panose="02040503050406030204" pitchFamily="18" charset="0"/>
-                            </a:rPr>
-                            <m:t>𝑖</m:t>
-                          </m:r>
-                          <m:r>
-                            <a:rPr lang="en-US" altLang="zh-TW" b="0" i="1" smtClean="0">
-                              <a:latin typeface="Cambria Math" panose="02040503050406030204" pitchFamily="18" charset="0"/>
-                            </a:rPr>
-                            <m:t>+2)</m:t>
-                          </m:r>
-                        </m:sup>
-                      </m:sSubSup>
-                    </m:oMath>
-                  </m:oMathPara>
-                </a14:m>
-                <a:endParaRPr lang="en-US" dirty="0"/>
-              </a:p>
-            </p:txBody>
-          </p:sp>
-        </mc:Choice>
-        <mc:Fallback>
-          <p:sp>
-            <p:nvSpPr>
-              <p:cNvPr id="42" name="TextBox 37">
-                <a:extLst>
-                  <a:ext uri="{FF2B5EF4-FFF2-40B4-BE49-F238E27FC236}">
-                    <a16:creationId xmlns:a16="http://schemas.microsoft.com/office/drawing/2014/main" id="{B6ACF8E1-625B-BE4E-A9A4-4EBF07C2B55B}"/>
-                  </a:ext>
-                </a:extLst>
-              </p:cNvPr>
-              <p:cNvSpPr txBox="1">
-                <a:spLocks noRot="1" noChangeAspect="1" noMove="1" noResize="1" noEditPoints="1" noAdjustHandles="1" noChangeArrowheads="1" noChangeShapeType="1" noTextEdit="1"/>
-              </p:cNvSpPr>
-              <p:nvPr/>
-            </p:nvSpPr>
-            <p:spPr>
-              <a:xfrm>
-                <a:off x="10236840" y="3092552"/>
-                <a:ext cx="1098204" cy="460319"/>
-              </a:xfrm>
-              <a:prstGeom prst="rect">
-                <a:avLst/>
-              </a:prstGeom>
-              <a:blipFill>
-                <a:blip r:embed="rId6"/>
-                <a:stretch>
-                  <a:fillRect b="-5405"/>
-                </a:stretch>
-              </a:blipFill>
-            </p:spPr>
-            <p:txBody>
-              <a:bodyPr/>
-              <a:lstStyle/>
-              <a:p>
-                <a:r>
-                  <a:rPr lang="zh-TW" altLang="en-US">
-                    <a:noFill/>
-                  </a:rPr>
-                  <a:t> </a:t>
-                </a:r>
-              </a:p>
-            </p:txBody>
-          </p:sp>
-        </mc:Fallback>
-      </mc:AlternateContent>
     </p:spTree>
     <p:extLst>
       <p:ext uri="{BB962C8B-B14F-4D97-AF65-F5344CB8AC3E}">

--- a/ESTR4999_Notes/To Draw Plots/frame_sending_scheme.pptx
+++ b/ESTR4999_Notes/To Draw Plots/frame_sending_scheme.pptx
@@ -4,6 +4,9 @@
   <p:sldMasterIdLst>
     <p:sldMasterId id="2147483648" r:id="rId1"/>
   </p:sldMasterIdLst>
+  <p:notesMasterIdLst>
+    <p:notesMasterId r:id="rId5"/>
+  </p:notesMasterIdLst>
   <p:sldIdLst>
     <p:sldId id="256" r:id="rId2"/>
     <p:sldId id="257" r:id="rId3"/>
@@ -114,6 +117,440 @@
 </p:presentation>
 </file>
 
+<file path=ppt/notesMasters/notesMaster1.xml><?xml version="1.0" encoding="utf-8"?>
+<p:notesMaster xmlns:a="http://schemas.openxmlformats.org/drawingml/2006/main" xmlns:r="http://schemas.openxmlformats.org/officeDocument/2006/relationships" xmlns:p="http://schemas.openxmlformats.org/presentationml/2006/main">
+  <p:cSld>
+    <p:bg>
+      <p:bgRef idx="1001">
+        <a:schemeClr val="bg1"/>
+      </p:bgRef>
+    </p:bg>
+    <p:spTree>
+      <p:nvGrpSpPr>
+        <p:cNvPr id="1" name=""/>
+        <p:cNvGrpSpPr/>
+        <p:nvPr/>
+      </p:nvGrpSpPr>
+      <p:grpSpPr>
+        <a:xfrm>
+          <a:off x="0" y="0"/>
+          <a:ext cx="0" cy="0"/>
+          <a:chOff x="0" y="0"/>
+          <a:chExt cx="0" cy="0"/>
+        </a:xfrm>
+      </p:grpSpPr>
+      <p:sp>
+        <p:nvSpPr>
+          <p:cNvPr id="2" name="頁首版面配置區 1"/>
+          <p:cNvSpPr>
+            <a:spLocks noGrp="1"/>
+          </p:cNvSpPr>
+          <p:nvPr>
+            <p:ph type="hdr" sz="quarter"/>
+          </p:nvPr>
+        </p:nvSpPr>
+        <p:spPr>
+          <a:xfrm>
+            <a:off x="0" y="0"/>
+            <a:ext cx="2971800" cy="458788"/>
+          </a:xfrm>
+          <a:prstGeom prst="rect">
+            <a:avLst/>
+          </a:prstGeom>
+        </p:spPr>
+        <p:txBody>
+          <a:bodyPr vert="horz" lIns="91440" tIns="45720" rIns="91440" bIns="45720" rtlCol="0"/>
+          <a:lstStyle>
+            <a:lvl1pPr algn="l">
+              <a:defRPr sz="1200"/>
+            </a:lvl1pPr>
+          </a:lstStyle>
+          <a:p>
+            <a:endParaRPr kumimoji="1" lang="zh-HK" altLang="en-US"/>
+          </a:p>
+        </p:txBody>
+      </p:sp>
+      <p:sp>
+        <p:nvSpPr>
+          <p:cNvPr id="3" name="日期版面配置區 2"/>
+          <p:cNvSpPr>
+            <a:spLocks noGrp="1"/>
+          </p:cNvSpPr>
+          <p:nvPr>
+            <p:ph type="dt" idx="1"/>
+          </p:nvPr>
+        </p:nvSpPr>
+        <p:spPr>
+          <a:xfrm>
+            <a:off x="3884613" y="0"/>
+            <a:ext cx="2971800" cy="458788"/>
+          </a:xfrm>
+          <a:prstGeom prst="rect">
+            <a:avLst/>
+          </a:prstGeom>
+        </p:spPr>
+        <p:txBody>
+          <a:bodyPr vert="horz" lIns="91440" tIns="45720" rIns="91440" bIns="45720" rtlCol="0"/>
+          <a:lstStyle>
+            <a:lvl1pPr algn="r">
+              <a:defRPr sz="1200"/>
+            </a:lvl1pPr>
+          </a:lstStyle>
+          <a:p>
+            <a:fld id="{1FED67EE-53A4-2C4E-9DBA-325876F8A3F4}" type="datetimeFigureOut">
+              <a:rPr kumimoji="1" lang="zh-HK" altLang="en-US" smtClean="0"/>
+              <a:t>02/06/22</a:t>
+            </a:fld>
+            <a:endParaRPr kumimoji="1" lang="zh-HK" altLang="en-US"/>
+          </a:p>
+        </p:txBody>
+      </p:sp>
+      <p:sp>
+        <p:nvSpPr>
+          <p:cNvPr id="4" name="投影片影像版面配置區 3"/>
+          <p:cNvSpPr>
+            <a:spLocks noGrp="1" noRot="1" noChangeAspect="1"/>
+          </p:cNvSpPr>
+          <p:nvPr>
+            <p:ph type="sldImg" idx="2"/>
+          </p:nvPr>
+        </p:nvSpPr>
+        <p:spPr>
+          <a:xfrm>
+            <a:off x="685800" y="1143000"/>
+            <a:ext cx="5486400" cy="3086100"/>
+          </a:xfrm>
+          <a:prstGeom prst="rect">
+            <a:avLst/>
+          </a:prstGeom>
+          <a:noFill/>
+          <a:ln w="12700">
+            <a:solidFill>
+              <a:prstClr val="black"/>
+            </a:solidFill>
+          </a:ln>
+        </p:spPr>
+        <p:txBody>
+          <a:bodyPr vert="horz" lIns="91440" tIns="45720" rIns="91440" bIns="45720" rtlCol="0" anchor="ctr"/>
+          <a:lstStyle/>
+          <a:p>
+            <a:endParaRPr lang="zh-HK" altLang="en-US"/>
+          </a:p>
+        </p:txBody>
+      </p:sp>
+      <p:sp>
+        <p:nvSpPr>
+          <p:cNvPr id="5" name="備忘稿版面配置區 4"/>
+          <p:cNvSpPr>
+            <a:spLocks noGrp="1"/>
+          </p:cNvSpPr>
+          <p:nvPr>
+            <p:ph type="body" sz="quarter" idx="3"/>
+          </p:nvPr>
+        </p:nvSpPr>
+        <p:spPr>
+          <a:xfrm>
+            <a:off x="685800" y="4400550"/>
+            <a:ext cx="5486400" cy="3600450"/>
+          </a:xfrm>
+          <a:prstGeom prst="rect">
+            <a:avLst/>
+          </a:prstGeom>
+        </p:spPr>
+        <p:txBody>
+          <a:bodyPr vert="horz" lIns="91440" tIns="45720" rIns="91440" bIns="45720" rtlCol="0"/>
+          <a:lstStyle/>
+          <a:p>
+            <a:pPr lvl="0"/>
+            <a:r>
+              <a:rPr kumimoji="1" lang="zh-TW" altLang="en-US"/>
+              <a:t>按一下以編輯母片文字樣式</a:t>
+            </a:r>
+          </a:p>
+          <a:p>
+            <a:pPr lvl="1"/>
+            <a:r>
+              <a:rPr kumimoji="1" lang="zh-TW" altLang="en-US"/>
+              <a:t>第二層</a:t>
+            </a:r>
+          </a:p>
+          <a:p>
+            <a:pPr lvl="2"/>
+            <a:r>
+              <a:rPr kumimoji="1" lang="zh-TW" altLang="en-US"/>
+              <a:t>第三層</a:t>
+            </a:r>
+          </a:p>
+          <a:p>
+            <a:pPr lvl="3"/>
+            <a:r>
+              <a:rPr kumimoji="1" lang="zh-TW" altLang="en-US"/>
+              <a:t>第四層</a:t>
+            </a:r>
+          </a:p>
+          <a:p>
+            <a:pPr lvl="4"/>
+            <a:r>
+              <a:rPr kumimoji="1" lang="zh-TW" altLang="en-US"/>
+              <a:t>第五層</a:t>
+            </a:r>
+            <a:endParaRPr kumimoji="1" lang="zh-HK" altLang="en-US"/>
+          </a:p>
+        </p:txBody>
+      </p:sp>
+      <p:sp>
+        <p:nvSpPr>
+          <p:cNvPr id="6" name="頁尾版面配置區 5"/>
+          <p:cNvSpPr>
+            <a:spLocks noGrp="1"/>
+          </p:cNvSpPr>
+          <p:nvPr>
+            <p:ph type="ftr" sz="quarter" idx="4"/>
+          </p:nvPr>
+        </p:nvSpPr>
+        <p:spPr>
+          <a:xfrm>
+            <a:off x="0" y="8685213"/>
+            <a:ext cx="2971800" cy="458787"/>
+          </a:xfrm>
+          <a:prstGeom prst="rect">
+            <a:avLst/>
+          </a:prstGeom>
+        </p:spPr>
+        <p:txBody>
+          <a:bodyPr vert="horz" lIns="91440" tIns="45720" rIns="91440" bIns="45720" rtlCol="0" anchor="b"/>
+          <a:lstStyle>
+            <a:lvl1pPr algn="l">
+              <a:defRPr sz="1200"/>
+            </a:lvl1pPr>
+          </a:lstStyle>
+          <a:p>
+            <a:endParaRPr kumimoji="1" lang="zh-HK" altLang="en-US"/>
+          </a:p>
+        </p:txBody>
+      </p:sp>
+      <p:sp>
+        <p:nvSpPr>
+          <p:cNvPr id="7" name="投影片編號版面配置區 6"/>
+          <p:cNvSpPr>
+            <a:spLocks noGrp="1"/>
+          </p:cNvSpPr>
+          <p:nvPr>
+            <p:ph type="sldNum" sz="quarter" idx="5"/>
+          </p:nvPr>
+        </p:nvSpPr>
+        <p:spPr>
+          <a:xfrm>
+            <a:off x="3884613" y="8685213"/>
+            <a:ext cx="2971800" cy="458787"/>
+          </a:xfrm>
+          <a:prstGeom prst="rect">
+            <a:avLst/>
+          </a:prstGeom>
+        </p:spPr>
+        <p:txBody>
+          <a:bodyPr vert="horz" lIns="91440" tIns="45720" rIns="91440" bIns="45720" rtlCol="0" anchor="b"/>
+          <a:lstStyle>
+            <a:lvl1pPr algn="r">
+              <a:defRPr sz="1200"/>
+            </a:lvl1pPr>
+          </a:lstStyle>
+          <a:p>
+            <a:fld id="{8BEB1E4A-8D86-9849-ADA8-5057B0DE32AF}" type="slidenum">
+              <a:rPr kumimoji="1" lang="zh-HK" altLang="en-US" smtClean="0"/>
+              <a:t>‹#›</a:t>
+            </a:fld>
+            <a:endParaRPr kumimoji="1" lang="zh-HK" altLang="en-US"/>
+          </a:p>
+        </p:txBody>
+      </p:sp>
+    </p:spTree>
+    <p:extLst>
+      <p:ext uri="{BB962C8B-B14F-4D97-AF65-F5344CB8AC3E}">
+        <p14:creationId xmlns:p14="http://schemas.microsoft.com/office/powerpoint/2010/main" val="4167451252"/>
+      </p:ext>
+    </p:extLst>
+  </p:cSld>
+  <p:clrMap bg1="lt1" tx1="dk1" bg2="lt2" tx2="dk2" accent1="accent1" accent2="accent2" accent3="accent3" accent4="accent4" accent5="accent5" accent6="accent6" hlink="hlink" folHlink="folHlink"/>
+  <p:notesStyle>
+    <a:lvl1pPr marL="0" algn="l" defTabSz="914400" rtl="0" eaLnBrk="1" latinLnBrk="0" hangingPunct="1">
+      <a:defRPr sz="1200" kern="1200">
+        <a:solidFill>
+          <a:schemeClr val="tx1"/>
+        </a:solidFill>
+        <a:latin typeface="+mn-lt"/>
+        <a:ea typeface="+mn-ea"/>
+        <a:cs typeface="+mn-cs"/>
+      </a:defRPr>
+    </a:lvl1pPr>
+    <a:lvl2pPr marL="457200" algn="l" defTabSz="914400" rtl="0" eaLnBrk="1" latinLnBrk="0" hangingPunct="1">
+      <a:defRPr sz="1200" kern="1200">
+        <a:solidFill>
+          <a:schemeClr val="tx1"/>
+        </a:solidFill>
+        <a:latin typeface="+mn-lt"/>
+        <a:ea typeface="+mn-ea"/>
+        <a:cs typeface="+mn-cs"/>
+      </a:defRPr>
+    </a:lvl2pPr>
+    <a:lvl3pPr marL="914400" algn="l" defTabSz="914400" rtl="0" eaLnBrk="1" latinLnBrk="0" hangingPunct="1">
+      <a:defRPr sz="1200" kern="1200">
+        <a:solidFill>
+          <a:schemeClr val="tx1"/>
+        </a:solidFill>
+        <a:latin typeface="+mn-lt"/>
+        <a:ea typeface="+mn-ea"/>
+        <a:cs typeface="+mn-cs"/>
+      </a:defRPr>
+    </a:lvl3pPr>
+    <a:lvl4pPr marL="1371600" algn="l" defTabSz="914400" rtl="0" eaLnBrk="1" latinLnBrk="0" hangingPunct="1">
+      <a:defRPr sz="1200" kern="1200">
+        <a:solidFill>
+          <a:schemeClr val="tx1"/>
+        </a:solidFill>
+        <a:latin typeface="+mn-lt"/>
+        <a:ea typeface="+mn-ea"/>
+        <a:cs typeface="+mn-cs"/>
+      </a:defRPr>
+    </a:lvl4pPr>
+    <a:lvl5pPr marL="1828800" algn="l" defTabSz="914400" rtl="0" eaLnBrk="1" latinLnBrk="0" hangingPunct="1">
+      <a:defRPr sz="1200" kern="1200">
+        <a:solidFill>
+          <a:schemeClr val="tx1"/>
+        </a:solidFill>
+        <a:latin typeface="+mn-lt"/>
+        <a:ea typeface="+mn-ea"/>
+        <a:cs typeface="+mn-cs"/>
+      </a:defRPr>
+    </a:lvl5pPr>
+    <a:lvl6pPr marL="2286000" algn="l" defTabSz="914400" rtl="0" eaLnBrk="1" latinLnBrk="0" hangingPunct="1">
+      <a:defRPr sz="1200" kern="1200">
+        <a:solidFill>
+          <a:schemeClr val="tx1"/>
+        </a:solidFill>
+        <a:latin typeface="+mn-lt"/>
+        <a:ea typeface="+mn-ea"/>
+        <a:cs typeface="+mn-cs"/>
+      </a:defRPr>
+    </a:lvl6pPr>
+    <a:lvl7pPr marL="2743200" algn="l" defTabSz="914400" rtl="0" eaLnBrk="1" latinLnBrk="0" hangingPunct="1">
+      <a:defRPr sz="1200" kern="1200">
+        <a:solidFill>
+          <a:schemeClr val="tx1"/>
+        </a:solidFill>
+        <a:latin typeface="+mn-lt"/>
+        <a:ea typeface="+mn-ea"/>
+        <a:cs typeface="+mn-cs"/>
+      </a:defRPr>
+    </a:lvl7pPr>
+    <a:lvl8pPr marL="3200400" algn="l" defTabSz="914400" rtl="0" eaLnBrk="1" latinLnBrk="0" hangingPunct="1">
+      <a:defRPr sz="1200" kern="1200">
+        <a:solidFill>
+          <a:schemeClr val="tx1"/>
+        </a:solidFill>
+        <a:latin typeface="+mn-lt"/>
+        <a:ea typeface="+mn-ea"/>
+        <a:cs typeface="+mn-cs"/>
+      </a:defRPr>
+    </a:lvl8pPr>
+    <a:lvl9pPr marL="3657600" algn="l" defTabSz="914400" rtl="0" eaLnBrk="1" latinLnBrk="0" hangingPunct="1">
+      <a:defRPr sz="1200" kern="1200">
+        <a:solidFill>
+          <a:schemeClr val="tx1"/>
+        </a:solidFill>
+        <a:latin typeface="+mn-lt"/>
+        <a:ea typeface="+mn-ea"/>
+        <a:cs typeface="+mn-cs"/>
+      </a:defRPr>
+    </a:lvl9pPr>
+  </p:notesStyle>
+</p:notesMaster>
+</file>
+
+<file path=ppt/notesSlides/notesSlide1.xml><?xml version="1.0" encoding="utf-8"?>
+<p:notes xmlns:a="http://schemas.openxmlformats.org/drawingml/2006/main" xmlns:r="http://schemas.openxmlformats.org/officeDocument/2006/relationships" xmlns:p="http://schemas.openxmlformats.org/presentationml/2006/main">
+  <p:cSld>
+    <p:spTree>
+      <p:nvGrpSpPr>
+        <p:cNvPr id="1" name=""/>
+        <p:cNvGrpSpPr/>
+        <p:nvPr/>
+      </p:nvGrpSpPr>
+      <p:grpSpPr>
+        <a:xfrm>
+          <a:off x="0" y="0"/>
+          <a:ext cx="0" cy="0"/>
+          <a:chOff x="0" y="0"/>
+          <a:chExt cx="0" cy="0"/>
+        </a:xfrm>
+      </p:grpSpPr>
+      <p:sp>
+        <p:nvSpPr>
+          <p:cNvPr id="2" name="投影片影像版面配置區 1"/>
+          <p:cNvSpPr>
+            <a:spLocks noGrp="1" noRot="1" noChangeAspect="1"/>
+          </p:cNvSpPr>
+          <p:nvPr>
+            <p:ph type="sldImg"/>
+          </p:nvPr>
+        </p:nvSpPr>
+        <p:spPr/>
+      </p:sp>
+      <p:sp>
+        <p:nvSpPr>
+          <p:cNvPr id="3" name="備忘稿版面配置區 2"/>
+          <p:cNvSpPr>
+            <a:spLocks noGrp="1"/>
+          </p:cNvSpPr>
+          <p:nvPr>
+            <p:ph type="body" idx="1"/>
+          </p:nvPr>
+        </p:nvSpPr>
+        <p:spPr/>
+        <p:txBody>
+          <a:bodyPr/>
+          <a:lstStyle/>
+          <a:p>
+            <a:endParaRPr kumimoji="1" lang="zh-HK" altLang="en-US" dirty="0"/>
+          </a:p>
+        </p:txBody>
+      </p:sp>
+      <p:sp>
+        <p:nvSpPr>
+          <p:cNvPr id="4" name="投影片編號版面配置區 3"/>
+          <p:cNvSpPr>
+            <a:spLocks noGrp="1"/>
+          </p:cNvSpPr>
+          <p:nvPr>
+            <p:ph type="sldNum" sz="quarter" idx="5"/>
+          </p:nvPr>
+        </p:nvSpPr>
+        <p:spPr/>
+        <p:txBody>
+          <a:bodyPr/>
+          <a:lstStyle/>
+          <a:p>
+            <a:fld id="{8BEB1E4A-8D86-9849-ADA8-5057B0DE32AF}" type="slidenum">
+              <a:rPr kumimoji="1" lang="zh-HK" altLang="en-US" smtClean="0"/>
+              <a:t>3</a:t>
+            </a:fld>
+            <a:endParaRPr kumimoji="1" lang="zh-HK" altLang="en-US"/>
+          </a:p>
+        </p:txBody>
+      </p:sp>
+    </p:spTree>
+    <p:extLst>
+      <p:ext uri="{BB962C8B-B14F-4D97-AF65-F5344CB8AC3E}">
+        <p14:creationId xmlns:p14="http://schemas.microsoft.com/office/powerpoint/2010/main" val="645172555"/>
+      </p:ext>
+    </p:extLst>
+  </p:cSld>
+  <p:clrMapOvr>
+    <a:masterClrMapping/>
+  </p:clrMapOvr>
+</p:notes>
+</file>
+
 <file path=ppt/slideLayouts/slideLayout1.xml><?xml version="1.0" encoding="utf-8"?>
 <p:sldLayout xmlns:a="http://schemas.openxmlformats.org/drawingml/2006/main" xmlns:r="http://schemas.openxmlformats.org/officeDocument/2006/relationships" xmlns:p="http://schemas.openxmlformats.org/presentationml/2006/main" type="title" preserve="1">
   <p:cSld name="標題投影片">
@@ -261,7 +698,7 @@
           <a:p>
             <a:fld id="{1F8B82B0-782F-B148-A911-C18BC0FE1ECB}" type="datetimeFigureOut">
               <a:rPr kumimoji="1" lang="zh-TW" altLang="en-US" smtClean="0"/>
-              <a:t>2022/4/24</a:t>
+              <a:t>2022/6/2</a:t>
             </a:fld>
             <a:endParaRPr kumimoji="1" lang="zh-TW" altLang="en-US"/>
           </a:p>
@@ -459,7 +896,7 @@
           <a:p>
             <a:fld id="{1F8B82B0-782F-B148-A911-C18BC0FE1ECB}" type="datetimeFigureOut">
               <a:rPr kumimoji="1" lang="zh-TW" altLang="en-US" smtClean="0"/>
-              <a:t>2022/4/24</a:t>
+              <a:t>2022/6/2</a:t>
             </a:fld>
             <a:endParaRPr kumimoji="1" lang="zh-TW" altLang="en-US"/>
           </a:p>
@@ -667,7 +1104,7 @@
           <a:p>
             <a:fld id="{1F8B82B0-782F-B148-A911-C18BC0FE1ECB}" type="datetimeFigureOut">
               <a:rPr kumimoji="1" lang="zh-TW" altLang="en-US" smtClean="0"/>
-              <a:t>2022/4/24</a:t>
+              <a:t>2022/6/2</a:t>
             </a:fld>
             <a:endParaRPr kumimoji="1" lang="zh-TW" altLang="en-US"/>
           </a:p>
@@ -865,7 +1302,7 @@
           <a:p>
             <a:fld id="{1F8B82B0-782F-B148-A911-C18BC0FE1ECB}" type="datetimeFigureOut">
               <a:rPr kumimoji="1" lang="zh-TW" altLang="en-US" smtClean="0"/>
-              <a:t>2022/4/24</a:t>
+              <a:t>2022/6/2</a:t>
             </a:fld>
             <a:endParaRPr kumimoji="1" lang="zh-TW" altLang="en-US"/>
           </a:p>
@@ -1140,7 +1577,7 @@
           <a:p>
             <a:fld id="{1F8B82B0-782F-B148-A911-C18BC0FE1ECB}" type="datetimeFigureOut">
               <a:rPr kumimoji="1" lang="zh-TW" altLang="en-US" smtClean="0"/>
-              <a:t>2022/4/24</a:t>
+              <a:t>2022/6/2</a:t>
             </a:fld>
             <a:endParaRPr kumimoji="1" lang="zh-TW" altLang="en-US"/>
           </a:p>
@@ -1405,7 +1842,7 @@
           <a:p>
             <a:fld id="{1F8B82B0-782F-B148-A911-C18BC0FE1ECB}" type="datetimeFigureOut">
               <a:rPr kumimoji="1" lang="zh-TW" altLang="en-US" smtClean="0"/>
-              <a:t>2022/4/24</a:t>
+              <a:t>2022/6/2</a:t>
             </a:fld>
             <a:endParaRPr kumimoji="1" lang="zh-TW" altLang="en-US"/>
           </a:p>
@@ -1817,7 +2254,7 @@
           <a:p>
             <a:fld id="{1F8B82B0-782F-B148-A911-C18BC0FE1ECB}" type="datetimeFigureOut">
               <a:rPr kumimoji="1" lang="zh-TW" altLang="en-US" smtClean="0"/>
-              <a:t>2022/4/24</a:t>
+              <a:t>2022/6/2</a:t>
             </a:fld>
             <a:endParaRPr kumimoji="1" lang="zh-TW" altLang="en-US"/>
           </a:p>
@@ -1958,7 +2395,7 @@
           <a:p>
             <a:fld id="{1F8B82B0-782F-B148-A911-C18BC0FE1ECB}" type="datetimeFigureOut">
               <a:rPr kumimoji="1" lang="zh-TW" altLang="en-US" smtClean="0"/>
-              <a:t>2022/4/24</a:t>
+              <a:t>2022/6/2</a:t>
             </a:fld>
             <a:endParaRPr kumimoji="1" lang="zh-TW" altLang="en-US"/>
           </a:p>
@@ -2071,7 +2508,7 @@
           <a:p>
             <a:fld id="{1F8B82B0-782F-B148-A911-C18BC0FE1ECB}" type="datetimeFigureOut">
               <a:rPr kumimoji="1" lang="zh-TW" altLang="en-US" smtClean="0"/>
-              <a:t>2022/4/24</a:t>
+              <a:t>2022/6/2</a:t>
             </a:fld>
             <a:endParaRPr kumimoji="1" lang="zh-TW" altLang="en-US"/>
           </a:p>
@@ -2382,7 +2819,7 @@
           <a:p>
             <a:fld id="{1F8B82B0-782F-B148-A911-C18BC0FE1ECB}" type="datetimeFigureOut">
               <a:rPr kumimoji="1" lang="zh-TW" altLang="en-US" smtClean="0"/>
-              <a:t>2022/4/24</a:t>
+              <a:t>2022/6/2</a:t>
             </a:fld>
             <a:endParaRPr kumimoji="1" lang="zh-TW" altLang="en-US"/>
           </a:p>
@@ -2670,7 +3107,7 @@
           <a:p>
             <a:fld id="{1F8B82B0-782F-B148-A911-C18BC0FE1ECB}" type="datetimeFigureOut">
               <a:rPr kumimoji="1" lang="zh-TW" altLang="en-US" smtClean="0"/>
-              <a:t>2022/4/24</a:t>
+              <a:t>2022/6/2</a:t>
             </a:fld>
             <a:endParaRPr kumimoji="1" lang="zh-TW" altLang="en-US"/>
           </a:p>
@@ -2911,7 +3348,7 @@
           <a:p>
             <a:fld id="{1F8B82B0-782F-B148-A911-C18BC0FE1ECB}" type="datetimeFigureOut">
               <a:rPr kumimoji="1" lang="zh-TW" altLang="en-US" smtClean="0"/>
-              <a:t>2022/4/24</a:t>
+              <a:t>2022/6/2</a:t>
             </a:fld>
             <a:endParaRPr kumimoji="1" lang="zh-TW" altLang="en-US"/>
           </a:p>
@@ -5541,9 +5978,9 @@
         <p:grpSpPr>
           <a:xfrm>
             <a:off x="766816" y="1460345"/>
-            <a:ext cx="11007830" cy="2490840"/>
+            <a:ext cx="9704957" cy="2478139"/>
             <a:chOff x="952167" y="1163783"/>
-            <a:chExt cx="11007830" cy="2490840"/>
+            <a:chExt cx="9704957" cy="2478139"/>
           </a:xfrm>
         </p:grpSpPr>
         <p:grpSp>
@@ -5561,9 +5998,9 @@
           <p:grpSpPr>
             <a:xfrm>
               <a:off x="952167" y="1163783"/>
-              <a:ext cx="11007830" cy="2490840"/>
+              <a:ext cx="9559599" cy="2478139"/>
               <a:chOff x="1223864" y="2804128"/>
-              <a:chExt cx="8855601" cy="1581253"/>
+              <a:chExt cx="7690525" cy="1573190"/>
             </a:xfrm>
           </p:grpSpPr>
           <p:sp>
@@ -5602,8 +6039,8 @@
               </a:p>
             </p:txBody>
           </p:sp>
-          <mc:AlternateContent xmlns:mc="http://schemas.openxmlformats.org/markup-compatibility/2006" xmlns:a14="http://schemas.microsoft.com/office/drawing/2010/main">
-            <mc:Choice Requires="a14">
+          <mc:AlternateContent xmlns:mc="http://schemas.openxmlformats.org/markup-compatibility/2006">
+            <mc:Choice xmlns:a14="http://schemas.microsoft.com/office/drawing/2010/main" Requires="a14">
               <p:sp>
                 <p:nvSpPr>
                   <p:cNvPr id="8" name="Rectangle 8">
@@ -5618,8 +6055,8 @@
                 </p:nvSpPr>
                 <p:spPr>
                   <a:xfrm>
-                    <a:off x="3638247" y="3254459"/>
-                    <a:ext cx="2847922" cy="250870"/>
+                    <a:off x="3362390" y="3246397"/>
+                    <a:ext cx="1778982" cy="250870"/>
                   </a:xfrm>
                   <a:prstGeom prst="rect">
                     <a:avLst/>
@@ -5786,7 +6223,7 @@
                 </p:txBody>
               </p:sp>
             </mc:Choice>
-            <mc:Fallback xmlns="">
+            <mc:Fallback>
               <p:sp>
                 <p:nvSpPr>
                   <p:cNvPr id="8" name="Rectangle 8">
@@ -5803,14 +6240,14 @@
                 </p:nvSpPr>
                 <p:spPr>
                   <a:xfrm>
-                    <a:off x="3638247" y="3254459"/>
-                    <a:ext cx="2847922" cy="250870"/>
+                    <a:off x="3362390" y="3246397"/>
+                    <a:ext cx="1778982" cy="250870"/>
                   </a:xfrm>
                   <a:prstGeom prst="rect">
                     <a:avLst/>
                   </a:prstGeom>
                   <a:blipFill>
-                    <a:blip r:embed="rId2"/>
+                    <a:blip r:embed="rId3"/>
                     <a:stretch>
                       <a:fillRect/>
                     </a:stretch>
@@ -5821,7 +6258,7 @@
                   <a:lstStyle/>
                   <a:p>
                     <a:r>
-                      <a:rPr lang="zh-TW" altLang="en-US">
+                      <a:rPr lang="zh-HK" altLang="en-US">
                         <a:noFill/>
                       </a:rPr>
                       <a:t> </a:t>
@@ -5847,8 +6284,8 @@
             </p:nvCxnSpPr>
             <p:spPr>
               <a:xfrm>
-                <a:off x="3634917" y="3774150"/>
-                <a:ext cx="2881316" cy="0"/>
+                <a:off x="3359059" y="3766087"/>
+                <a:ext cx="1782312" cy="0"/>
               </a:xfrm>
               <a:prstGeom prst="straightConnector1">
                 <a:avLst/>
@@ -5891,7 +6328,7 @@
             </p:nvCxnSpPr>
             <p:spPr>
               <a:xfrm>
-                <a:off x="3634917" y="3047145"/>
+                <a:off x="3359059" y="3039083"/>
                 <a:ext cx="0" cy="968542"/>
               </a:xfrm>
               <a:prstGeom prst="line">
@@ -5936,7 +6373,7 @@
             <p:spPr>
               <a:xfrm>
                 <a:off x="2227425" y="3491443"/>
-                <a:ext cx="7852040" cy="23168"/>
+                <a:ext cx="6686964" cy="19730"/>
               </a:xfrm>
               <a:prstGeom prst="straightConnector1">
                 <a:avLst/>
@@ -6077,7 +6514,7 @@
                     <a:avLst/>
                   </a:prstGeom>
                   <a:blipFill>
-                    <a:blip r:embed="rId3"/>
+                    <a:blip r:embed="rId4"/>
                     <a:stretch>
                       <a:fillRect b="-5405"/>
                     </a:stretch>
@@ -6158,7 +6595,7 @@
             </p:nvCxnSpPr>
             <p:spPr>
               <a:xfrm>
-                <a:off x="6075401" y="2804128"/>
+                <a:off x="6065460" y="2804128"/>
                 <a:ext cx="0" cy="1211558"/>
               </a:xfrm>
               <a:prstGeom prst="line">
@@ -6202,7 +6639,7 @@
             </p:nvCxnSpPr>
             <p:spPr>
               <a:xfrm>
-                <a:off x="9134959" y="2804128"/>
+                <a:off x="8589584" y="2804128"/>
                 <a:ext cx="0" cy="1204759"/>
               </a:xfrm>
               <a:prstGeom prst="line">
@@ -6246,8 +6683,8 @@
             </p:nvCxnSpPr>
             <p:spPr>
               <a:xfrm>
-                <a:off x="6493121" y="2979761"/>
-                <a:ext cx="0" cy="1006376"/>
+                <a:off x="5141370" y="2804128"/>
+                <a:ext cx="0" cy="1228367"/>
               </a:xfrm>
               <a:prstGeom prst="line">
                 <a:avLst/>
@@ -6274,8 +6711,8 @@
               </a:fontRef>
             </p:style>
           </p:cxnSp>
-          <mc:AlternateContent xmlns:mc="http://schemas.openxmlformats.org/markup-compatibility/2006" xmlns:a14="http://schemas.microsoft.com/office/drawing/2010/main">
-            <mc:Choice Requires="a14">
+          <mc:AlternateContent xmlns:mc="http://schemas.openxmlformats.org/markup-compatibility/2006">
+            <mc:Choice xmlns:a14="http://schemas.microsoft.com/office/drawing/2010/main" Requires="a14">
               <p:sp>
                 <p:nvSpPr>
                   <p:cNvPr id="90" name="TextBox 37">
@@ -6290,7 +6727,7 @@
                 </p:nvSpPr>
                 <p:spPr>
                   <a:xfrm>
-                    <a:off x="3199421" y="4016049"/>
+                    <a:off x="2923562" y="4007986"/>
                     <a:ext cx="883485" cy="369332"/>
                   </a:xfrm>
                   <a:prstGeom prst="rect">
@@ -6344,7 +6781,7 @@
                 </p:txBody>
               </p:sp>
             </mc:Choice>
-            <mc:Fallback xmlns="">
+            <mc:Fallback>
               <p:sp>
                 <p:nvSpPr>
                   <p:cNvPr id="90" name="TextBox 37">
@@ -6361,14 +6798,14 @@
                 </p:nvSpPr>
                 <p:spPr>
                   <a:xfrm>
-                    <a:off x="3199421" y="4016049"/>
+                    <a:off x="2923562" y="4007986"/>
                     <a:ext cx="883485" cy="369332"/>
                   </a:xfrm>
                   <a:prstGeom prst="rect">
                     <a:avLst/>
                   </a:prstGeom>
                   <a:blipFill>
-                    <a:blip r:embed="rId4"/>
+                    <a:blip r:embed="rId5"/>
                     <a:stretch>
                       <a:fillRect/>
                     </a:stretch>
@@ -6379,7 +6816,7 @@
                   <a:lstStyle/>
                   <a:p>
                     <a:r>
-                      <a:rPr lang="zh-TW" altLang="en-US">
+                      <a:rPr lang="zh-HK" altLang="en-US">
                         <a:noFill/>
                       </a:rPr>
                       <a:t> </a:t>
@@ -6406,7 +6843,7 @@
               </p:nvSpPr>
               <p:spPr>
                 <a:xfrm>
-                  <a:off x="6449198" y="3092552"/>
+                  <a:off x="6436841" y="3092552"/>
                   <a:ext cx="1098204" cy="460319"/>
                 </a:xfrm>
                 <a:prstGeom prst="rect">
@@ -6497,14 +6934,14 @@
               </p:nvSpPr>
               <p:spPr>
                 <a:xfrm>
-                  <a:off x="6449198" y="3092552"/>
+                  <a:off x="6436841" y="3092552"/>
                   <a:ext cx="1098204" cy="460319"/>
                 </a:xfrm>
                 <a:prstGeom prst="rect">
                   <a:avLst/>
                 </a:prstGeom>
                 <a:blipFill>
-                  <a:blip r:embed="rId5"/>
+                  <a:blip r:embed="rId6"/>
                   <a:stretch>
                     <a:fillRect b="-5405"/>
                   </a:stretch>
@@ -6515,7 +6952,7 @@
                 <a:lstStyle/>
                 <a:p>
                   <a:r>
-                    <a:rPr lang="zh-TW" altLang="en-US">
+                    <a:rPr lang="zh-HK" altLang="en-US">
                       <a:noFill/>
                     </a:rPr>
                     <a:t> </a:t>
@@ -6541,7 +6978,7 @@
               </p:nvSpPr>
               <p:spPr>
                 <a:xfrm>
-                  <a:off x="10236840" y="3092552"/>
+                  <a:off x="9558920" y="3092552"/>
                   <a:ext cx="1098204" cy="460319"/>
                 </a:xfrm>
                 <a:prstGeom prst="rect">
@@ -6632,14 +7069,14 @@
               </p:nvSpPr>
               <p:spPr>
                 <a:xfrm>
-                  <a:off x="10236840" y="3092552"/>
+                  <a:off x="9558920" y="3092552"/>
                   <a:ext cx="1098204" cy="460319"/>
                 </a:xfrm>
                 <a:prstGeom prst="rect">
                   <a:avLst/>
                 </a:prstGeom>
                 <a:blipFill>
-                  <a:blip r:embed="rId6"/>
+                  <a:blip r:embed="rId7"/>
                   <a:stretch>
                     <a:fillRect b="-5405"/>
                   </a:stretch>
@@ -6650,7 +7087,7 @@
                 <a:lstStyle/>
                 <a:p>
                   <a:r>
-                    <a:rPr lang="zh-TW" altLang="en-US">
+                    <a:rPr lang="zh-HK" altLang="en-US">
                       <a:noFill/>
                     </a:rPr>
                     <a:t> </a:t>
@@ -6661,6 +7098,210 @@
           </mc:Fallback>
         </mc:AlternateContent>
       </p:grpSp>
+      <mc:AlternateContent xmlns:mc="http://schemas.openxmlformats.org/markup-compatibility/2006">
+        <mc:Choice xmlns:a14="http://schemas.microsoft.com/office/drawing/2010/main" Requires="a14">
+          <p:sp>
+            <p:nvSpPr>
+              <p:cNvPr id="18" name="TextBox 37">
+                <a:extLst>
+                  <a:ext uri="{FF2B5EF4-FFF2-40B4-BE49-F238E27FC236}">
+                    <a16:creationId xmlns:a16="http://schemas.microsoft.com/office/drawing/2014/main" id="{A6B08E48-29D9-500C-1F1C-1180215A1094}"/>
+                  </a:ext>
+                </a:extLst>
+              </p:cNvPr>
+              <p:cNvSpPr txBox="1"/>
+              <p:nvPr/>
+            </p:nvSpPr>
+            <p:spPr>
+              <a:xfrm>
+                <a:off x="5087315" y="3339615"/>
+                <a:ext cx="1098204" cy="391582"/>
+              </a:xfrm>
+              <a:prstGeom prst="rect">
+                <a:avLst/>
+              </a:prstGeom>
+              <a:noFill/>
+            </p:spPr>
+            <p:txBody>
+              <a:bodyPr wrap="square" rtlCol="0">
+                <a:spAutoFit/>
+              </a:bodyPr>
+              <a:lstStyle/>
+              <a:p>
+                <a:pPr/>
+                <a14:m>
+                  <m:oMathPara xmlns:m="http://schemas.openxmlformats.org/officeDocument/2006/math">
+                    <m:oMathParaPr>
+                      <m:jc m:val="centerGroup"/>
+                    </m:oMathParaPr>
+                    <m:oMath xmlns:m="http://schemas.openxmlformats.org/officeDocument/2006/math">
+                      <m:sSub>
+                        <m:sSubPr>
+                          <m:ctrlPr>
+                            <a:rPr lang="en-US" altLang="zh-TW" b="0" i="1" smtClean="0">
+                              <a:latin typeface="Cambria Math" panose="02040503050406030204" pitchFamily="18" charset="0"/>
+                            </a:rPr>
+                          </m:ctrlPr>
+                        </m:sSubPr>
+                        <m:e>
+                          <m:r>
+                            <a:rPr lang="en-US" altLang="zh-TW" b="0" i="1" smtClean="0">
+                              <a:latin typeface="Cambria Math" panose="02040503050406030204" pitchFamily="18" charset="0"/>
+                            </a:rPr>
+                            <m:t>𝑡</m:t>
+                          </m:r>
+                        </m:e>
+                        <m:sub>
+                          <m:r>
+                            <a:rPr lang="en-US" altLang="zh-TW" b="0" i="1" smtClean="0">
+                              <a:latin typeface="Cambria Math" panose="02040503050406030204" pitchFamily="18" charset="0"/>
+                            </a:rPr>
+                            <m:t>𝑓</m:t>
+                          </m:r>
+                        </m:sub>
+                      </m:sSub>
+                    </m:oMath>
+                  </m:oMathPara>
+                </a14:m>
+                <a:endParaRPr lang="en-US" dirty="0"/>
+              </a:p>
+            </p:txBody>
+          </p:sp>
+        </mc:Choice>
+        <mc:Fallback>
+          <p:sp>
+            <p:nvSpPr>
+              <p:cNvPr id="18" name="TextBox 37">
+                <a:extLst>
+                  <a:ext uri="{FF2B5EF4-FFF2-40B4-BE49-F238E27FC236}">
+                    <a16:creationId xmlns:a16="http://schemas.microsoft.com/office/drawing/2014/main" id="{A6B08E48-29D9-500C-1F1C-1180215A1094}"/>
+                  </a:ext>
+                </a:extLst>
+              </p:cNvPr>
+              <p:cNvSpPr txBox="1">
+                <a:spLocks noRot="1" noChangeAspect="1" noMove="1" noResize="1" noEditPoints="1" noAdjustHandles="1" noChangeArrowheads="1" noChangeShapeType="1" noTextEdit="1"/>
+              </p:cNvSpPr>
+              <p:nvPr/>
+            </p:nvSpPr>
+            <p:spPr>
+              <a:xfrm>
+                <a:off x="5087315" y="3339615"/>
+                <a:ext cx="1098204" cy="391582"/>
+              </a:xfrm>
+              <a:prstGeom prst="rect">
+                <a:avLst/>
+              </a:prstGeom>
+              <a:blipFill>
+                <a:blip r:embed="rId8"/>
+                <a:stretch>
+                  <a:fillRect b="-9677"/>
+                </a:stretch>
+              </a:blipFill>
+            </p:spPr>
+            <p:txBody>
+              <a:bodyPr/>
+              <a:lstStyle/>
+              <a:p>
+                <a:r>
+                  <a:rPr lang="zh-HK" altLang="en-US">
+                    <a:noFill/>
+                  </a:rPr>
+                  <a:t> </a:t>
+                </a:r>
+              </a:p>
+            </p:txBody>
+          </p:sp>
+        </mc:Fallback>
+      </mc:AlternateContent>
+      <p:sp>
+        <p:nvSpPr>
+          <p:cNvPr id="10" name="左大括弧 9">
+            <a:extLst>
+              <a:ext uri="{FF2B5EF4-FFF2-40B4-BE49-F238E27FC236}">
+                <a16:creationId xmlns:a16="http://schemas.microsoft.com/office/drawing/2014/main" id="{77E0A043-23AA-795E-0F28-C862230F9030}"/>
+              </a:ext>
+            </a:extLst>
+          </p:cNvPr>
+          <p:cNvSpPr/>
+          <p:nvPr/>
+        </p:nvSpPr>
+        <p:spPr>
+          <a:xfrm rot="5400000">
+            <a:off x="6056327" y="1006989"/>
+            <a:ext cx="308856" cy="1148677"/>
+          </a:xfrm>
+          <a:prstGeom prst="leftBrace">
+            <a:avLst>
+              <a:gd name="adj1" fmla="val 117908"/>
+              <a:gd name="adj2" fmla="val 50000"/>
+            </a:avLst>
+          </a:prstGeom>
+          <a:noFill/>
+          <a:ln w="12700"/>
+        </p:spPr>
+        <p:style>
+          <a:lnRef idx="1">
+            <a:schemeClr val="accent1"/>
+          </a:lnRef>
+          <a:fillRef idx="0">
+            <a:schemeClr val="accent1"/>
+          </a:fillRef>
+          <a:effectRef idx="0">
+            <a:schemeClr val="accent1"/>
+          </a:effectRef>
+          <a:fontRef idx="minor">
+            <a:schemeClr val="tx1"/>
+          </a:fontRef>
+        </p:style>
+        <p:txBody>
+          <a:bodyPr rtlCol="0" anchor="ctr"/>
+          <a:lstStyle/>
+          <a:p>
+            <a:pPr algn="ctr"/>
+            <a:endParaRPr kumimoji="1" lang="zh-HK" altLang="en-US"/>
+          </a:p>
+        </p:txBody>
+      </p:sp>
+      <p:sp>
+        <p:nvSpPr>
+          <p:cNvPr id="25" name="TextBox 37">
+            <a:extLst>
+              <a:ext uri="{FF2B5EF4-FFF2-40B4-BE49-F238E27FC236}">
+                <a16:creationId xmlns:a16="http://schemas.microsoft.com/office/drawing/2014/main" id="{555453F3-7C31-48C3-AB42-02E45696F5D3}"/>
+              </a:ext>
+            </a:extLst>
+          </p:cNvPr>
+          <p:cNvSpPr txBox="1"/>
+          <p:nvPr/>
+        </p:nvSpPr>
+        <p:spPr>
+          <a:xfrm>
+            <a:off x="5727102" y="1030560"/>
+            <a:ext cx="1098204" cy="369332"/>
+          </a:xfrm>
+          <a:prstGeom prst="rect">
+            <a:avLst/>
+          </a:prstGeom>
+          <a:noFill/>
+        </p:spPr>
+        <p:txBody>
+          <a:bodyPr wrap="square" rtlCol="0">
+            <a:spAutoFit/>
+          </a:bodyPr>
+          <a:lstStyle/>
+          <a:p>
+            <a:pPr/>
+            <a:r>
+              <a:rPr lang="en-US" b="1" i="1" dirty="0" err="1"/>
+              <a:t>idel</a:t>
+            </a:r>
+            <a:r>
+              <a:rPr lang="en-US" b="1" i="1" dirty="0"/>
+              <a:t> time</a:t>
+            </a:r>
+          </a:p>
+        </p:txBody>
+      </p:sp>
     </p:spTree>
     <p:extLst>
       <p:ext uri="{BB962C8B-B14F-4D97-AF65-F5344CB8AC3E}">
@@ -6967,4 +7608,299 @@
     </a:ext>
   </a:extLst>
 </a:theme>
+</file>
+
+<file path=ppt/theme/theme2.xml><?xml version="1.0" encoding="utf-8"?>
+<a:theme xmlns:a="http://schemas.openxmlformats.org/drawingml/2006/main" name="Office 佈景主題">
+  <a:themeElements>
+    <a:clrScheme name="Office">
+      <a:dk1>
+        <a:sysClr val="windowText" lastClr="000000"/>
+      </a:dk1>
+      <a:lt1>
+        <a:sysClr val="window" lastClr="FFFFFF"/>
+      </a:lt1>
+      <a:dk2>
+        <a:srgbClr val="44546A"/>
+      </a:dk2>
+      <a:lt2>
+        <a:srgbClr val="E7E6E6"/>
+      </a:lt2>
+      <a:accent1>
+        <a:srgbClr val="4472C4"/>
+      </a:accent1>
+      <a:accent2>
+        <a:srgbClr val="ED7D31"/>
+      </a:accent2>
+      <a:accent3>
+        <a:srgbClr val="A5A5A5"/>
+      </a:accent3>
+      <a:accent4>
+        <a:srgbClr val="FFC000"/>
+      </a:accent4>
+      <a:accent5>
+        <a:srgbClr val="5B9BD5"/>
+      </a:accent5>
+      <a:accent6>
+        <a:srgbClr val="70AD47"/>
+      </a:accent6>
+      <a:hlink>
+        <a:srgbClr val="0563C1"/>
+      </a:hlink>
+      <a:folHlink>
+        <a:srgbClr val="954F72"/>
+      </a:folHlink>
+    </a:clrScheme>
+    <a:fontScheme name="Office">
+      <a:majorFont>
+        <a:latin typeface="Calibri Light" panose="020F0302020204030204"/>
+        <a:ea typeface=""/>
+        <a:cs typeface=""/>
+        <a:font script="Jpan" typeface="游ゴシック Light"/>
+        <a:font script="Hang" typeface="맑은 고딕"/>
+        <a:font script="Hans" typeface="等线 Light"/>
+        <a:font script="Hant" typeface="新細明體"/>
+        <a:font script="Arab" typeface="Times New Roman"/>
+        <a:font script="Hebr" typeface="Times New Roman"/>
+        <a:font script="Thai" typeface="Angsana New"/>
+        <a:font script="Ethi" typeface="Nyala"/>
+        <a:font script="Beng" typeface="Vrinda"/>
+        <a:font script="Gujr" typeface="Shruti"/>
+        <a:font script="Khmr" typeface="MoolBoran"/>
+        <a:font script="Knda" typeface="Tunga"/>
+        <a:font script="Guru" typeface="Raavi"/>
+        <a:font script="Cans" typeface="Euphemia"/>
+        <a:font script="Cher" typeface="Plantagenet Cherokee"/>
+        <a:font script="Yiii" typeface="Microsoft Yi Baiti"/>
+        <a:font script="Tibt" typeface="Microsoft Himalaya"/>
+        <a:font script="Thaa" typeface="MV Boli"/>
+        <a:font script="Deva" typeface="Mangal"/>
+        <a:font script="Telu" typeface="Gautami"/>
+        <a:font script="Taml" typeface="Latha"/>
+        <a:font script="Syrc" typeface="Estrangelo Edessa"/>
+        <a:font script="Orya" typeface="Kalinga"/>
+        <a:font script="Mlym" typeface="Kartika"/>
+        <a:font script="Laoo" typeface="DokChampa"/>
+        <a:font script="Sinh" typeface="Iskoola Pota"/>
+        <a:font script="Mong" typeface="Mongolian Baiti"/>
+        <a:font script="Viet" typeface="Times New Roman"/>
+        <a:font script="Uigh" typeface="Microsoft Uighur"/>
+        <a:font script="Geor" typeface="Sylfaen"/>
+        <a:font script="Armn" typeface="Arial"/>
+        <a:font script="Bugi" typeface="Leelawadee UI"/>
+        <a:font script="Bopo" typeface="Microsoft JhengHei"/>
+        <a:font script="Java" typeface="Javanese Text"/>
+        <a:font script="Lisu" typeface="Segoe UI"/>
+        <a:font script="Mymr" typeface="Myanmar Text"/>
+        <a:font script="Nkoo" typeface="Ebrima"/>
+        <a:font script="Olck" typeface="Nirmala UI"/>
+        <a:font script="Osma" typeface="Ebrima"/>
+        <a:font script="Phag" typeface="Phagspa"/>
+        <a:font script="Syrn" typeface="Estrangelo Edessa"/>
+        <a:font script="Syrj" typeface="Estrangelo Edessa"/>
+        <a:font script="Syre" typeface="Estrangelo Edessa"/>
+        <a:font script="Sora" typeface="Nirmala UI"/>
+        <a:font script="Tale" typeface="Microsoft Tai Le"/>
+        <a:font script="Talu" typeface="Microsoft New Tai Lue"/>
+        <a:font script="Tfng" typeface="Ebrima"/>
+      </a:majorFont>
+      <a:minorFont>
+        <a:latin typeface="Calibri" panose="020F0502020204030204"/>
+        <a:ea typeface=""/>
+        <a:cs typeface=""/>
+        <a:font script="Jpan" typeface="游ゴシック"/>
+        <a:font script="Hang" typeface="맑은 고딕"/>
+        <a:font script="Hans" typeface="等线"/>
+        <a:font script="Hant" typeface="新細明體"/>
+        <a:font script="Arab" typeface="Arial"/>
+        <a:font script="Hebr" typeface="Arial"/>
+        <a:font script="Thai" typeface="Cordia New"/>
+        <a:font script="Ethi" typeface="Nyala"/>
+        <a:font script="Beng" typeface="Vrinda"/>
+        <a:font script="Gujr" typeface="Shruti"/>
+        <a:font script="Khmr" typeface="DaunPenh"/>
+        <a:font script="Knda" typeface="Tunga"/>
+        <a:font script="Guru" typeface="Raavi"/>
+        <a:font script="Cans" typeface="Euphemia"/>
+        <a:font script="Cher" typeface="Plantagenet Cherokee"/>
+        <a:font script="Yiii" typeface="Microsoft Yi Baiti"/>
+        <a:font script="Tibt" typeface="Microsoft Himalaya"/>
+        <a:font script="Thaa" typeface="MV Boli"/>
+        <a:font script="Deva" typeface="Mangal"/>
+        <a:font script="Telu" typeface="Gautami"/>
+        <a:font script="Taml" typeface="Latha"/>
+        <a:font script="Syrc" typeface="Estrangelo Edessa"/>
+        <a:font script="Orya" typeface="Kalinga"/>
+        <a:font script="Mlym" typeface="Kartika"/>
+        <a:font script="Laoo" typeface="DokChampa"/>
+        <a:font script="Sinh" typeface="Iskoola Pota"/>
+        <a:font script="Mong" typeface="Mongolian Baiti"/>
+        <a:font script="Viet" typeface="Arial"/>
+        <a:font script="Uigh" typeface="Microsoft Uighur"/>
+        <a:font script="Geor" typeface="Sylfaen"/>
+        <a:font script="Armn" typeface="Arial"/>
+        <a:font script="Bugi" typeface="Leelawadee UI"/>
+        <a:font script="Bopo" typeface="Microsoft JhengHei"/>
+        <a:font script="Java" typeface="Javanese Text"/>
+        <a:font script="Lisu" typeface="Segoe UI"/>
+        <a:font script="Mymr" typeface="Myanmar Text"/>
+        <a:font script="Nkoo" typeface="Ebrima"/>
+        <a:font script="Olck" typeface="Nirmala UI"/>
+        <a:font script="Osma" typeface="Ebrima"/>
+        <a:font script="Phag" typeface="Phagspa"/>
+        <a:font script="Syrn" typeface="Estrangelo Edessa"/>
+        <a:font script="Syrj" typeface="Estrangelo Edessa"/>
+        <a:font script="Syre" typeface="Estrangelo Edessa"/>
+        <a:font script="Sora" typeface="Nirmala UI"/>
+        <a:font script="Tale" typeface="Microsoft Tai Le"/>
+        <a:font script="Talu" typeface="Microsoft New Tai Lue"/>
+        <a:font script="Tfng" typeface="Ebrima"/>
+      </a:minorFont>
+    </a:fontScheme>
+    <a:fmtScheme name="Office">
+      <a:fillStyleLst>
+        <a:solidFill>
+          <a:schemeClr val="phClr"/>
+        </a:solidFill>
+        <a:gradFill rotWithShape="1">
+          <a:gsLst>
+            <a:gs pos="0">
+              <a:schemeClr val="phClr">
+                <a:lumMod val="110000"/>
+                <a:satMod val="105000"/>
+                <a:tint val="67000"/>
+              </a:schemeClr>
+            </a:gs>
+            <a:gs pos="50000">
+              <a:schemeClr val="phClr">
+                <a:lumMod val="105000"/>
+                <a:satMod val="103000"/>
+                <a:tint val="73000"/>
+              </a:schemeClr>
+            </a:gs>
+            <a:gs pos="100000">
+              <a:schemeClr val="phClr">
+                <a:lumMod val="105000"/>
+                <a:satMod val="109000"/>
+                <a:tint val="81000"/>
+              </a:schemeClr>
+            </a:gs>
+          </a:gsLst>
+          <a:lin ang="5400000" scaled="0"/>
+        </a:gradFill>
+        <a:gradFill rotWithShape="1">
+          <a:gsLst>
+            <a:gs pos="0">
+              <a:schemeClr val="phClr">
+                <a:satMod val="103000"/>
+                <a:lumMod val="102000"/>
+                <a:tint val="94000"/>
+              </a:schemeClr>
+            </a:gs>
+            <a:gs pos="50000">
+              <a:schemeClr val="phClr">
+                <a:satMod val="110000"/>
+                <a:lumMod val="100000"/>
+                <a:shade val="100000"/>
+              </a:schemeClr>
+            </a:gs>
+            <a:gs pos="100000">
+              <a:schemeClr val="phClr">
+                <a:lumMod val="99000"/>
+                <a:satMod val="120000"/>
+                <a:shade val="78000"/>
+              </a:schemeClr>
+            </a:gs>
+          </a:gsLst>
+          <a:lin ang="5400000" scaled="0"/>
+        </a:gradFill>
+      </a:fillStyleLst>
+      <a:lnStyleLst>
+        <a:ln w="6350" cap="flat" cmpd="sng" algn="ctr">
+          <a:solidFill>
+            <a:schemeClr val="phClr"/>
+          </a:solidFill>
+          <a:prstDash val="solid"/>
+          <a:miter lim="800000"/>
+        </a:ln>
+        <a:ln w="12700" cap="flat" cmpd="sng" algn="ctr">
+          <a:solidFill>
+            <a:schemeClr val="phClr"/>
+          </a:solidFill>
+          <a:prstDash val="solid"/>
+          <a:miter lim="800000"/>
+        </a:ln>
+        <a:ln w="19050" cap="flat" cmpd="sng" algn="ctr">
+          <a:solidFill>
+            <a:schemeClr val="phClr"/>
+          </a:solidFill>
+          <a:prstDash val="solid"/>
+          <a:miter lim="800000"/>
+        </a:ln>
+      </a:lnStyleLst>
+      <a:effectStyleLst>
+        <a:effectStyle>
+          <a:effectLst/>
+        </a:effectStyle>
+        <a:effectStyle>
+          <a:effectLst/>
+        </a:effectStyle>
+        <a:effectStyle>
+          <a:effectLst>
+            <a:outerShdw blurRad="57150" dist="19050" dir="5400000" algn="ctr" rotWithShape="0">
+              <a:srgbClr val="000000">
+                <a:alpha val="63000"/>
+              </a:srgbClr>
+            </a:outerShdw>
+          </a:effectLst>
+        </a:effectStyle>
+      </a:effectStyleLst>
+      <a:bgFillStyleLst>
+        <a:solidFill>
+          <a:schemeClr val="phClr"/>
+        </a:solidFill>
+        <a:solidFill>
+          <a:schemeClr val="phClr">
+            <a:tint val="95000"/>
+            <a:satMod val="170000"/>
+          </a:schemeClr>
+        </a:solidFill>
+        <a:gradFill rotWithShape="1">
+          <a:gsLst>
+            <a:gs pos="0">
+              <a:schemeClr val="phClr">
+                <a:tint val="93000"/>
+                <a:satMod val="150000"/>
+                <a:shade val="98000"/>
+                <a:lumMod val="102000"/>
+              </a:schemeClr>
+            </a:gs>
+            <a:gs pos="50000">
+              <a:schemeClr val="phClr">
+                <a:tint val="98000"/>
+                <a:satMod val="130000"/>
+                <a:shade val="90000"/>
+                <a:lumMod val="103000"/>
+              </a:schemeClr>
+            </a:gs>
+            <a:gs pos="100000">
+              <a:schemeClr val="phClr">
+                <a:shade val="63000"/>
+                <a:satMod val="120000"/>
+              </a:schemeClr>
+            </a:gs>
+          </a:gsLst>
+          <a:lin ang="5400000" scaled="0"/>
+        </a:gradFill>
+      </a:bgFillStyleLst>
+    </a:fmtScheme>
+  </a:themeElements>
+  <a:objectDefaults/>
+  <a:extraClrSchemeLst/>
+  <a:extLst>
+    <a:ext uri="{05A4C25C-085E-4340-85A3-A5531E510DB2}">
+      <thm15:themeFamily xmlns:thm15="http://schemas.microsoft.com/office/thememl/2012/main" name="Office Theme" id="{62F939B6-93AF-4DB8-9C6B-D6C7DFDC589F}" vid="{4A3C46E8-61CC-4603-A589-7422A47A8E4A}"/>
+    </a:ext>
+  </a:extLst>
+</a:theme>
 </file>